--- a/python/module2/presentation/урок 4 модуль 2.pptx
+++ b/python/module2/presentation/урок 4 модуль 2.pptx
@@ -6,22 +6,24 @@
   </p:sldMasterIdLst>
   <p:sldIdLst>
     <p:sldId id="298" r:id="rId2"/>
-    <p:sldId id="300" r:id="rId3"/>
-    <p:sldId id="299" r:id="rId4"/>
-    <p:sldId id="301" r:id="rId5"/>
-    <p:sldId id="302" r:id="rId6"/>
-    <p:sldId id="303" r:id="rId7"/>
-    <p:sldId id="304" r:id="rId8"/>
-    <p:sldId id="305" r:id="rId9"/>
-    <p:sldId id="306" r:id="rId10"/>
-    <p:sldId id="310" r:id="rId11"/>
-    <p:sldId id="307" r:id="rId12"/>
-    <p:sldId id="308" r:id="rId13"/>
-    <p:sldId id="309" r:id="rId14"/>
-    <p:sldId id="312" r:id="rId15"/>
-    <p:sldId id="311" r:id="rId16"/>
-    <p:sldId id="314" r:id="rId17"/>
-    <p:sldId id="313" r:id="rId18"/>
+    <p:sldId id="316" r:id="rId3"/>
+    <p:sldId id="300" r:id="rId4"/>
+    <p:sldId id="299" r:id="rId5"/>
+    <p:sldId id="301" r:id="rId6"/>
+    <p:sldId id="302" r:id="rId7"/>
+    <p:sldId id="303" r:id="rId8"/>
+    <p:sldId id="304" r:id="rId9"/>
+    <p:sldId id="305" r:id="rId10"/>
+    <p:sldId id="306" r:id="rId11"/>
+    <p:sldId id="310" r:id="rId12"/>
+    <p:sldId id="307" r:id="rId13"/>
+    <p:sldId id="308" r:id="rId14"/>
+    <p:sldId id="309" r:id="rId15"/>
+    <p:sldId id="312" r:id="rId16"/>
+    <p:sldId id="311" r:id="rId17"/>
+    <p:sldId id="314" r:id="rId18"/>
+    <p:sldId id="313" r:id="rId19"/>
+    <p:sldId id="315" r:id="rId20"/>
   </p:sldIdLst>
   <p:sldSz cx="12192000" cy="6858000"/>
   <p:notesSz cx="6858000" cy="9144000"/>
@@ -122,7 +124,7 @@
   </p:defaultTextStyle>
   <p:extLst>
     <p:ext uri="{EFAFB233-063F-42B5-8137-9DF3F51BA10A}">
-      <p15:sldGuideLst xmlns:p15="http://schemas.microsoft.com/office/powerpoint/2012/main" xmlns="">
+      <p15:sldGuideLst xmlns="" xmlns:p15="http://schemas.microsoft.com/office/powerpoint/2012/main">
         <p15:guide id="1" orient="horz" pos="2160">
           <p15:clr>
             <a:srgbClr val="A4A3A4"/>
@@ -864,7 +866,7 @@
             <a:fld id="{3CCF56C0-5008-4DB4-8698-E16469066013}" type="datetimeFigureOut">
               <a:rPr lang="ru-RU" smtClean="0"/>
               <a:pPr/>
-              <a:t>27.12.2020</a:t>
+              <a:t>11.01.2021</a:t>
             </a:fld>
             <a:endParaRPr lang="ru-RU" dirty="0"/>
           </a:p>
@@ -916,7 +918,7 @@
     </p:spTree>
     <p:extLst>
       <p:ext uri="{BB962C8B-B14F-4D97-AF65-F5344CB8AC3E}">
-        <p14:creationId xmlns:p14="http://schemas.microsoft.com/office/powerpoint/2010/main" xmlns="" val="4238684791"/>
+        <p14:creationId xmlns="" xmlns:p14="http://schemas.microsoft.com/office/powerpoint/2010/main" val="4238684791"/>
       </p:ext>
     </p:extLst>
   </p:cSld>
@@ -1117,7 +1119,7 @@
             <a:fld id="{3CCF56C0-5008-4DB4-8698-E16469066013}" type="datetimeFigureOut">
               <a:rPr lang="ru-RU" smtClean="0"/>
               <a:pPr/>
-              <a:t>27.12.2020</a:t>
+              <a:t>11.01.2021</a:t>
             </a:fld>
             <a:endParaRPr lang="ru-RU" dirty="0"/>
           </a:p>
@@ -1169,7 +1171,7 @@
     </p:spTree>
     <p:extLst>
       <p:ext uri="{BB962C8B-B14F-4D97-AF65-F5344CB8AC3E}">
-        <p14:creationId xmlns:p14="http://schemas.microsoft.com/office/powerpoint/2010/main" xmlns="" val="3509571314"/>
+        <p14:creationId xmlns="" xmlns:p14="http://schemas.microsoft.com/office/powerpoint/2010/main" val="3509571314"/>
       </p:ext>
     </p:extLst>
   </p:cSld>
@@ -1433,7 +1435,7 @@
             <a:fld id="{3CCF56C0-5008-4DB4-8698-E16469066013}" type="datetimeFigureOut">
               <a:rPr lang="ru-RU" smtClean="0"/>
               <a:pPr/>
-              <a:t>27.12.2020</a:t>
+              <a:t>11.01.2021</a:t>
             </a:fld>
             <a:endParaRPr lang="ru-RU" dirty="0"/>
           </a:p>
@@ -1561,7 +1563,7 @@
     </p:spTree>
     <p:extLst>
       <p:ext uri="{BB962C8B-B14F-4D97-AF65-F5344CB8AC3E}">
-        <p14:creationId xmlns:p14="http://schemas.microsoft.com/office/powerpoint/2010/main" xmlns="" val="913784525"/>
+        <p14:creationId xmlns="" xmlns:p14="http://schemas.microsoft.com/office/powerpoint/2010/main" val="913784525"/>
       </p:ext>
     </p:extLst>
   </p:cSld>
@@ -1762,7 +1764,7 @@
             <a:fld id="{3CCF56C0-5008-4DB4-8698-E16469066013}" type="datetimeFigureOut">
               <a:rPr lang="ru-RU" smtClean="0"/>
               <a:pPr/>
-              <a:t>27.12.2020</a:t>
+              <a:t>11.01.2021</a:t>
             </a:fld>
             <a:endParaRPr lang="ru-RU" dirty="0"/>
           </a:p>
@@ -1814,7 +1816,7 @@
     </p:spTree>
     <p:extLst>
       <p:ext uri="{BB962C8B-B14F-4D97-AF65-F5344CB8AC3E}">
-        <p14:creationId xmlns:p14="http://schemas.microsoft.com/office/powerpoint/2010/main" xmlns="" val="1237628931"/>
+        <p14:creationId xmlns="" xmlns:p14="http://schemas.microsoft.com/office/powerpoint/2010/main" val="1237628931"/>
       </p:ext>
     </p:extLst>
   </p:cSld>
@@ -2078,7 +2080,7 @@
             <a:fld id="{3CCF56C0-5008-4DB4-8698-E16469066013}" type="datetimeFigureOut">
               <a:rPr lang="ru-RU" smtClean="0"/>
               <a:pPr/>
-              <a:t>27.12.2020</a:t>
+              <a:t>11.01.2021</a:t>
             </a:fld>
             <a:endParaRPr lang="ru-RU" dirty="0"/>
           </a:p>
@@ -2206,7 +2208,7 @@
     </p:spTree>
     <p:extLst>
       <p:ext uri="{BB962C8B-B14F-4D97-AF65-F5344CB8AC3E}">
-        <p14:creationId xmlns:p14="http://schemas.microsoft.com/office/powerpoint/2010/main" xmlns="" val="4076467919"/>
+        <p14:creationId xmlns="" xmlns:p14="http://schemas.microsoft.com/office/powerpoint/2010/main" val="4076467919"/>
       </p:ext>
     </p:extLst>
   </p:cSld>
@@ -2467,7 +2469,7 @@
             <a:fld id="{3CCF56C0-5008-4DB4-8698-E16469066013}" type="datetimeFigureOut">
               <a:rPr lang="ru-RU" smtClean="0"/>
               <a:pPr/>
-              <a:t>27.12.2020</a:t>
+              <a:t>11.01.2021</a:t>
             </a:fld>
             <a:endParaRPr lang="ru-RU" dirty="0"/>
           </a:p>
@@ -2519,7 +2521,7 @@
     </p:spTree>
     <p:extLst>
       <p:ext uri="{BB962C8B-B14F-4D97-AF65-F5344CB8AC3E}">
-        <p14:creationId xmlns:p14="http://schemas.microsoft.com/office/powerpoint/2010/main" xmlns="" val="2010692"/>
+        <p14:creationId xmlns="" xmlns:p14="http://schemas.microsoft.com/office/powerpoint/2010/main" val="2010692"/>
       </p:ext>
     </p:extLst>
   </p:cSld>
@@ -2639,7 +2641,7 @@
             <a:fld id="{3CCF56C0-5008-4DB4-8698-E16469066013}" type="datetimeFigureOut">
               <a:rPr lang="ru-RU" smtClean="0"/>
               <a:pPr/>
-              <a:t>27.12.2020</a:t>
+              <a:t>11.01.2021</a:t>
             </a:fld>
             <a:endParaRPr lang="ru-RU" dirty="0"/>
           </a:p>
@@ -2691,7 +2693,7 @@
     </p:spTree>
     <p:extLst>
       <p:ext uri="{BB962C8B-B14F-4D97-AF65-F5344CB8AC3E}">
-        <p14:creationId xmlns:p14="http://schemas.microsoft.com/office/powerpoint/2010/main" xmlns="" val="1184326843"/>
+        <p14:creationId xmlns="" xmlns:p14="http://schemas.microsoft.com/office/powerpoint/2010/main" val="1184326843"/>
       </p:ext>
     </p:extLst>
   </p:cSld>
@@ -2821,7 +2823,7 @@
             <a:fld id="{3CCF56C0-5008-4DB4-8698-E16469066013}" type="datetimeFigureOut">
               <a:rPr lang="ru-RU" smtClean="0"/>
               <a:pPr/>
-              <a:t>27.12.2020</a:t>
+              <a:t>11.01.2021</a:t>
             </a:fld>
             <a:endParaRPr lang="ru-RU" dirty="0"/>
           </a:p>
@@ -2873,7 +2875,7 @@
     </p:spTree>
     <p:extLst>
       <p:ext uri="{BB962C8B-B14F-4D97-AF65-F5344CB8AC3E}">
-        <p14:creationId xmlns:p14="http://schemas.microsoft.com/office/powerpoint/2010/main" xmlns="" val="529529951"/>
+        <p14:creationId xmlns="" xmlns:p14="http://schemas.microsoft.com/office/powerpoint/2010/main" val="529529951"/>
       </p:ext>
     </p:extLst>
   </p:cSld>
@@ -2999,7 +3001,7 @@
             <a:fld id="{3CCF56C0-5008-4DB4-8698-E16469066013}" type="datetimeFigureOut">
               <a:rPr lang="ru-RU" smtClean="0"/>
               <a:pPr/>
-              <a:t>27.12.2020</a:t>
+              <a:t>11.01.2021</a:t>
             </a:fld>
             <a:endParaRPr lang="ru-RU" dirty="0"/>
           </a:p>
@@ -3051,7 +3053,7 @@
     </p:spTree>
     <p:extLst>
       <p:ext uri="{BB962C8B-B14F-4D97-AF65-F5344CB8AC3E}">
-        <p14:creationId xmlns:p14="http://schemas.microsoft.com/office/powerpoint/2010/main" xmlns="" val="1794803828"/>
+        <p14:creationId xmlns="" xmlns:p14="http://schemas.microsoft.com/office/powerpoint/2010/main" val="1794803828"/>
       </p:ext>
     </p:extLst>
   </p:cSld>
@@ -3248,7 +3250,7 @@
             <a:fld id="{3CCF56C0-5008-4DB4-8698-E16469066013}" type="datetimeFigureOut">
               <a:rPr lang="ru-RU" smtClean="0"/>
               <a:pPr/>
-              <a:t>27.12.2020</a:t>
+              <a:t>11.01.2021</a:t>
             </a:fld>
             <a:endParaRPr lang="ru-RU" dirty="0"/>
           </a:p>
@@ -3300,7 +3302,7 @@
     </p:spTree>
     <p:extLst>
       <p:ext uri="{BB962C8B-B14F-4D97-AF65-F5344CB8AC3E}">
-        <p14:creationId xmlns:p14="http://schemas.microsoft.com/office/powerpoint/2010/main" xmlns="" val="1622354848"/>
+        <p14:creationId xmlns="" xmlns:p14="http://schemas.microsoft.com/office/powerpoint/2010/main" val="1622354848"/>
       </p:ext>
     </p:extLst>
   </p:cSld>
@@ -3482,7 +3484,7 @@
             <a:fld id="{3CCF56C0-5008-4DB4-8698-E16469066013}" type="datetimeFigureOut">
               <a:rPr lang="ru-RU" smtClean="0"/>
               <a:pPr/>
-              <a:t>27.12.2020</a:t>
+              <a:t>11.01.2021</a:t>
             </a:fld>
             <a:endParaRPr lang="ru-RU" dirty="0"/>
           </a:p>
@@ -3534,7 +3536,7 @@
     </p:spTree>
     <p:extLst>
       <p:ext uri="{BB962C8B-B14F-4D97-AF65-F5344CB8AC3E}">
-        <p14:creationId xmlns:p14="http://schemas.microsoft.com/office/powerpoint/2010/main" xmlns="" val="2665461008"/>
+        <p14:creationId xmlns="" xmlns:p14="http://schemas.microsoft.com/office/powerpoint/2010/main" val="2665461008"/>
       </p:ext>
     </p:extLst>
   </p:cSld>
@@ -3858,7 +3860,7 @@
             <a:fld id="{3CCF56C0-5008-4DB4-8698-E16469066013}" type="datetimeFigureOut">
               <a:rPr lang="ru-RU" smtClean="0"/>
               <a:pPr/>
-              <a:t>27.12.2020</a:t>
+              <a:t>11.01.2021</a:t>
             </a:fld>
             <a:endParaRPr lang="ru-RU" dirty="0"/>
           </a:p>
@@ -3910,7 +3912,7 @@
     </p:spTree>
     <p:extLst>
       <p:ext uri="{BB962C8B-B14F-4D97-AF65-F5344CB8AC3E}">
-        <p14:creationId xmlns:p14="http://schemas.microsoft.com/office/powerpoint/2010/main" xmlns="" val="2514946757"/>
+        <p14:creationId xmlns="" xmlns:p14="http://schemas.microsoft.com/office/powerpoint/2010/main" val="2514946757"/>
       </p:ext>
     </p:extLst>
   </p:cSld>
@@ -3983,7 +3985,7 @@
             <a:fld id="{3CCF56C0-5008-4DB4-8698-E16469066013}" type="datetimeFigureOut">
               <a:rPr lang="ru-RU" smtClean="0"/>
               <a:pPr/>
-              <a:t>27.12.2020</a:t>
+              <a:t>11.01.2021</a:t>
             </a:fld>
             <a:endParaRPr lang="ru-RU" dirty="0"/>
           </a:p>
@@ -4035,7 +4037,7 @@
     </p:spTree>
     <p:extLst>
       <p:ext uri="{BB962C8B-B14F-4D97-AF65-F5344CB8AC3E}">
-        <p14:creationId xmlns:p14="http://schemas.microsoft.com/office/powerpoint/2010/main" xmlns="" val="1009674793"/>
+        <p14:creationId xmlns="" xmlns:p14="http://schemas.microsoft.com/office/powerpoint/2010/main" val="1009674793"/>
       </p:ext>
     </p:extLst>
   </p:cSld>
@@ -4080,7 +4082,7 @@
             <a:fld id="{3CCF56C0-5008-4DB4-8698-E16469066013}" type="datetimeFigureOut">
               <a:rPr lang="ru-RU" smtClean="0"/>
               <a:pPr/>
-              <a:t>27.12.2020</a:t>
+              <a:t>11.01.2021</a:t>
             </a:fld>
             <a:endParaRPr lang="ru-RU" dirty="0"/>
           </a:p>
@@ -4132,7 +4134,7 @@
     </p:spTree>
     <p:extLst>
       <p:ext uri="{BB962C8B-B14F-4D97-AF65-F5344CB8AC3E}">
-        <p14:creationId xmlns:p14="http://schemas.microsoft.com/office/powerpoint/2010/main" xmlns="" val="37853350"/>
+        <p14:creationId xmlns="" xmlns:p14="http://schemas.microsoft.com/office/powerpoint/2010/main" val="37853350"/>
       </p:ext>
     </p:extLst>
   </p:cSld>
@@ -4337,7 +4339,7 @@
             <a:fld id="{3CCF56C0-5008-4DB4-8698-E16469066013}" type="datetimeFigureOut">
               <a:rPr lang="ru-RU" smtClean="0"/>
               <a:pPr/>
-              <a:t>27.12.2020</a:t>
+              <a:t>11.01.2021</a:t>
             </a:fld>
             <a:endParaRPr lang="ru-RU" dirty="0"/>
           </a:p>
@@ -4389,7 +4391,7 @@
     </p:spTree>
     <p:extLst>
       <p:ext uri="{BB962C8B-B14F-4D97-AF65-F5344CB8AC3E}">
-        <p14:creationId xmlns:p14="http://schemas.microsoft.com/office/powerpoint/2010/main" xmlns="" val="1485505807"/>
+        <p14:creationId xmlns="" xmlns:p14="http://schemas.microsoft.com/office/powerpoint/2010/main" val="1485505807"/>
       </p:ext>
     </p:extLst>
   </p:cSld>
@@ -4602,7 +4604,7 @@
             <a:fld id="{3CCF56C0-5008-4DB4-8698-E16469066013}" type="datetimeFigureOut">
               <a:rPr lang="ru-RU" smtClean="0"/>
               <a:pPr/>
-              <a:t>27.12.2020</a:t>
+              <a:t>11.01.2021</a:t>
             </a:fld>
             <a:endParaRPr lang="ru-RU" dirty="0"/>
           </a:p>
@@ -4654,7 +4656,7 @@
     </p:spTree>
     <p:extLst>
       <p:ext uri="{BB962C8B-B14F-4D97-AF65-F5344CB8AC3E}">
-        <p14:creationId xmlns:p14="http://schemas.microsoft.com/office/powerpoint/2010/main" xmlns="" val="1525686664"/>
+        <p14:creationId xmlns="" xmlns:p14="http://schemas.microsoft.com/office/powerpoint/2010/main" val="1525686664"/>
       </p:ext>
     </p:extLst>
   </p:cSld>
@@ -5349,7 +5351,7 @@
             <a:fld id="{3CCF56C0-5008-4DB4-8698-E16469066013}" type="datetimeFigureOut">
               <a:rPr lang="ru-RU" smtClean="0"/>
               <a:pPr/>
-              <a:t>27.12.2020</a:t>
+              <a:t>11.01.2021</a:t>
             </a:fld>
             <a:endParaRPr lang="ru-RU" dirty="0"/>
           </a:p>
@@ -5435,7 +5437,7 @@
     </p:spTree>
     <p:extLst>
       <p:ext uri="{BB962C8B-B14F-4D97-AF65-F5344CB8AC3E}">
-        <p14:creationId xmlns:p14="http://schemas.microsoft.com/office/powerpoint/2010/main" xmlns="" val="2523392475"/>
+        <p14:creationId xmlns="" xmlns:p14="http://schemas.microsoft.com/office/powerpoint/2010/main" val="2523392475"/>
       </p:ext>
     </p:extLst>
   </p:cSld>
@@ -5935,7 +5937,7 @@
     </p:spTree>
     <p:extLst>
       <p:ext uri="{BB962C8B-B14F-4D97-AF65-F5344CB8AC3E}">
-        <p14:creationId xmlns:p14="http://schemas.microsoft.com/office/powerpoint/2010/main" xmlns="" val="1354132756"/>
+        <p14:creationId xmlns="" xmlns:p14="http://schemas.microsoft.com/office/powerpoint/2010/main" val="1354132756"/>
       </p:ext>
     </p:extLst>
   </p:cSld>
@@ -5986,7 +5988,7 @@
           <a:p>
             <a:r>
               <a:rPr lang="ru-RU" dirty="0" smtClean="0"/>
-              <a:t>Парсер</a:t>
+              <a:t>Задание</a:t>
             </a:r>
             <a:endParaRPr lang="ru-RU" dirty="0"/>
           </a:p>
@@ -6007,77 +6009,39 @@
           <a:bodyPr/>
           <a:lstStyle/>
           <a:p>
-            <a:pPr marL="342000">
+            <a:pPr>
               <a:buFont typeface="Wingdings"/>
               <a:buChar char="Ø"/>
             </a:pPr>
             <a:r>
               <a:rPr lang="ru-RU" dirty="0" smtClean="0"/>
-              <a:t>Так как наш бот будет лайкать объекты на стене страничек то, нам нужно</a:t>
+              <a:t>Создайте модуль </a:t>
             </a:r>
             <a:r>
               <a:rPr lang="en-US" dirty="0" smtClean="0"/>
-              <a:t> </a:t>
-            </a:r>
-            <a:r>
-              <a:rPr lang="ru-RU" dirty="0" smtClean="0"/>
-              <a:t>сделать так, что бы он мог эти объекты распознавать.</a:t>
-            </a:r>
-            <a:endParaRPr lang="en-US" dirty="0" smtClean="0"/>
-          </a:p>
-          <a:p>
-            <a:pPr marL="342000">
+              <a:t>support.py</a:t>
+            </a:r>
+          </a:p>
+          <a:p>
+            <a:pPr>
               <a:buFont typeface="Wingdings"/>
               <a:buChar char="Ø"/>
             </a:pPr>
             <a:r>
               <a:rPr lang="ru-RU" dirty="0" smtClean="0"/>
-              <a:t>По этому нам с начало нужно их собрать. Программа собирающая данные из интернета называется – </a:t>
-            </a:r>
-            <a:r>
-              <a:rPr lang="en-US" dirty="0" smtClean="0"/>
-              <a:t>“</a:t>
-            </a:r>
-            <a:r>
-              <a:rPr lang="ru-RU" dirty="0" smtClean="0"/>
-              <a:t>парсер</a:t>
-            </a:r>
-            <a:r>
-              <a:rPr lang="en-US" dirty="0" smtClean="0"/>
-              <a:t>”</a:t>
-            </a:r>
-            <a:r>
-              <a:rPr lang="ru-RU" dirty="0" smtClean="0"/>
-              <a:t>.</a:t>
-            </a:r>
-            <a:endParaRPr lang="en-US" dirty="0" smtClean="0"/>
-          </a:p>
-          <a:p>
-            <a:pPr marL="342000">
+              <a:t>В нем создайте функцию, которая будет читать содержимое файла</a:t>
+            </a:r>
+          </a:p>
+          <a:p>
+            <a:pPr>
               <a:buFont typeface="Wingdings"/>
               <a:buChar char="Ø"/>
             </a:pPr>
             <a:r>
               <a:rPr lang="ru-RU" dirty="0" smtClean="0"/>
-              <a:t>Обращаясь </a:t>
-            </a:r>
-            <a:r>
-              <a:rPr lang="ru-RU" dirty="0" smtClean="0"/>
-              <a:t>к информации через </a:t>
-            </a:r>
-            <a:r>
-              <a:rPr lang="en-US" dirty="0" smtClean="0"/>
-              <a:t>API </a:t>
-            </a:r>
-            <a:r>
-              <a:rPr lang="ru-RU" dirty="0" smtClean="0"/>
-              <a:t>мы по факту обращаемся к базе данных на сервере, который обслуживает данную интернет страничку</a:t>
-            </a:r>
-            <a:r>
-              <a:rPr lang="ru-RU" dirty="0" smtClean="0"/>
-              <a:t>.</a:t>
-            </a:r>
-            <a:endParaRPr lang="ru-RU" dirty="0" smtClean="0"/>
+              <a:t>Путь до файла нужно вводить в аргумент функции</a:t>
+            </a:r>
+            <a:endParaRPr lang="ru-RU" dirty="0"/>
           </a:p>
         </p:txBody>
       </p:sp>
@@ -6123,11 +6087,7 @@
           <a:p>
             <a:r>
               <a:rPr lang="ru-RU" dirty="0" smtClean="0"/>
-              <a:t>Обращение к </a:t>
-            </a:r>
-            <a:r>
-              <a:rPr lang="en-US" dirty="0" smtClean="0"/>
-              <a:t>API</a:t>
+              <a:t>Парсер</a:t>
             </a:r>
             <a:endParaRPr lang="ru-RU" dirty="0"/>
           </a:p>
@@ -6148,17 +6108,13 @@
           <a:bodyPr/>
           <a:lstStyle/>
           <a:p>
-            <a:pPr>
+            <a:pPr marL="342000">
               <a:buFont typeface="Wingdings"/>
               <a:buChar char="Ø"/>
             </a:pPr>
             <a:r>
               <a:rPr lang="ru-RU" dirty="0" smtClean="0"/>
-              <a:t>Для взаимодействия приложения с базой данных в </a:t>
-            </a:r>
-            <a:r>
-              <a:rPr lang="en-US" dirty="0" err="1" smtClean="0"/>
-              <a:t>vk</a:t>
+              <a:t>Так как наш бот будет лайкать объекты на стене страничек то, нам нужно</a:t>
             </a:r>
             <a:r>
               <a:rPr lang="en-US" dirty="0" smtClean="0"/>
@@ -6166,25 +6122,54 @@
             </a:r>
             <a:r>
               <a:rPr lang="ru-RU" dirty="0" smtClean="0"/>
-              <a:t>по мимо ключа доступа (токена)</a:t>
+              <a:t>сделать так, что бы он мог эти объекты распознавать.</a:t>
+            </a:r>
+            <a:endParaRPr lang="en-US" dirty="0" smtClean="0"/>
+          </a:p>
+          <a:p>
+            <a:pPr marL="342000">
+              <a:buFont typeface="Wingdings"/>
+              <a:buChar char="Ø"/>
+            </a:pPr>
+            <a:r>
+              <a:rPr lang="ru-RU" dirty="0" smtClean="0"/>
+              <a:t>По этому нам с начало нужно их собрать. Программа собирающая данные из интернета называется – </a:t>
             </a:r>
             <a:r>
               <a:rPr lang="en-US" dirty="0" smtClean="0"/>
-              <a:t> </a:t>
-            </a:r>
-            <a:r>
-              <a:rPr lang="ru-RU" dirty="0" smtClean="0"/>
-              <a:t>нашему боту так же необходим и адрес обращающийся к </a:t>
+              <a:t>“</a:t>
+            </a:r>
+            <a:r>
+              <a:rPr lang="ru-RU" dirty="0" smtClean="0"/>
+              <a:t>парсер</a:t>
             </a:r>
             <a:r>
               <a:rPr lang="en-US" dirty="0" smtClean="0"/>
-              <a:t>API</a:t>
-            </a:r>
-            <a:r>
-              <a:rPr lang="ru-RU" dirty="0" smtClean="0"/>
-              <a:t>, а так же настройки методов.</a:t>
+              <a:t>”</a:t>
+            </a:r>
+            <a:r>
+              <a:rPr lang="ru-RU" dirty="0" smtClean="0"/>
+              <a:t>.</a:t>
             </a:r>
             <a:endParaRPr lang="en-US" dirty="0" smtClean="0"/>
+          </a:p>
+          <a:p>
+            <a:pPr marL="342000">
+              <a:buFont typeface="Wingdings"/>
+              <a:buChar char="Ø"/>
+            </a:pPr>
+            <a:r>
+              <a:rPr lang="ru-RU" dirty="0" smtClean="0"/>
+              <a:t>Обращаясь к информации через </a:t>
+            </a:r>
+            <a:r>
+              <a:rPr lang="en-US" dirty="0" smtClean="0"/>
+              <a:t>API </a:t>
+            </a:r>
+            <a:r>
+              <a:rPr lang="ru-RU" dirty="0" smtClean="0"/>
+              <a:t>мы по факту обращаемся к базе данных на сервере, который обслуживает данную интернет страничку.</a:t>
+            </a:r>
           </a:p>
         </p:txBody>
       </p:sp>
@@ -6230,15 +6215,7 @@
           <a:p>
             <a:r>
               <a:rPr lang="ru-RU" dirty="0" smtClean="0"/>
-              <a:t>Адрес</a:t>
-            </a:r>
-            <a:r>
-              <a:rPr lang="en-US" dirty="0" smtClean="0"/>
-              <a:t> </a:t>
-            </a:r>
-            <a:r>
-              <a:rPr lang="ru-RU" dirty="0" smtClean="0"/>
-              <a:t>к </a:t>
+              <a:t>Обращение к </a:t>
             </a:r>
             <a:r>
               <a:rPr lang="en-US" dirty="0" smtClean="0"/>
@@ -6269,15 +6246,7 @@
             </a:pPr>
             <a:r>
               <a:rPr lang="ru-RU" dirty="0" smtClean="0"/>
-              <a:t>Для обращения к </a:t>
-            </a:r>
-            <a:r>
-              <a:rPr lang="en-US" dirty="0" smtClean="0"/>
-              <a:t>API </a:t>
-            </a:r>
-            <a:r>
-              <a:rPr lang="ru-RU" dirty="0" smtClean="0"/>
-              <a:t>для </a:t>
+              <a:t>Для взаимодействия приложения с базой данных в </a:t>
             </a:r>
             <a:r>
               <a:rPr lang="en-US" dirty="0" err="1" smtClean="0"/>
@@ -6289,111 +6258,25 @@
             </a:r>
             <a:r>
               <a:rPr lang="ru-RU" dirty="0" smtClean="0"/>
-              <a:t>необходимо прописать его </a:t>
-            </a:r>
-            <a:r>
-              <a:rPr lang="ru-RU" dirty="0" err="1" smtClean="0"/>
-              <a:t>адресс</a:t>
-            </a:r>
-            <a:r>
-              <a:rPr lang="ru-RU" dirty="0" smtClean="0"/>
-              <a:t>: </a:t>
-            </a:r>
-          </a:p>
-          <a:p>
-            <a:pPr>
-              <a:buNone/>
-            </a:pPr>
-            <a:r>
-              <a:rPr lang="en-US" dirty="0" smtClean="0">
-                <a:solidFill>
-                  <a:schemeClr val="accent1">
-                    <a:lumMod val="60000"/>
-                    <a:lumOff val="40000"/>
-                  </a:schemeClr>
-                </a:solidFill>
-              </a:rPr>
-              <a:t>https</a:t>
-            </a:r>
-            <a:r>
-              <a:rPr lang="en-US" dirty="0" smtClean="0">
-                <a:solidFill>
-                  <a:schemeClr val="accent1">
-                    <a:lumMod val="60000"/>
-                    <a:lumOff val="40000"/>
-                  </a:schemeClr>
-                </a:solidFill>
-              </a:rPr>
-              <a:t>://</a:t>
-            </a:r>
-            <a:r>
-              <a:rPr lang="en-US" dirty="0" smtClean="0">
-                <a:solidFill>
-                  <a:schemeClr val="accent1">
-                    <a:lumMod val="60000"/>
-                    <a:lumOff val="40000"/>
-                  </a:schemeClr>
-                </a:solidFill>
-              </a:rPr>
-              <a:t>api.vk.com/</a:t>
-            </a:r>
-            <a:endParaRPr lang="ru-RU" dirty="0" smtClean="0">
-              <a:solidFill>
-                <a:schemeClr val="accent1">
-                  <a:lumMod val="60000"/>
-                  <a:lumOff val="40000"/>
-                </a:schemeClr>
-              </a:solidFill>
-            </a:endParaRPr>
-          </a:p>
-          <a:p>
-            <a:pPr>
-              <a:buFont typeface="Wingdings"/>
-              <a:buChar char="Ø"/>
-            </a:pPr>
-            <a:endParaRPr lang="ru-RU" dirty="0" smtClean="0">
-              <a:solidFill>
-                <a:schemeClr val="accent1">
-                  <a:lumMod val="60000"/>
-                  <a:lumOff val="40000"/>
-                </a:schemeClr>
-              </a:solidFill>
-            </a:endParaRPr>
-          </a:p>
-          <a:p>
-            <a:pPr>
-              <a:buFont typeface="Wingdings"/>
-              <a:buChar char="Ø"/>
-            </a:pPr>
-            <a:r>
-              <a:rPr lang="ru-RU" dirty="0" smtClean="0">
-                <a:solidFill>
-                  <a:schemeClr val="tx1"/>
-                </a:solidFill>
-              </a:rPr>
-              <a:t>Однако мы </a:t>
-            </a:r>
-            <a:r>
-              <a:rPr lang="ru-RU" dirty="0" smtClean="0">
-                <a:solidFill>
-                  <a:schemeClr val="tx1"/>
-                </a:solidFill>
-              </a:rPr>
-              <a:t>п</a:t>
-            </a:r>
-            <a:r>
-              <a:rPr lang="ru-RU" dirty="0" smtClean="0">
-                <a:solidFill>
-                  <a:schemeClr val="tx1"/>
-                </a:solidFill>
-              </a:rPr>
-              <a:t>олучим ответ 403 – что означает, что в доступе отказано …</a:t>
-            </a:r>
-            <a:endParaRPr lang="ru-RU" dirty="0">
-              <a:solidFill>
-                <a:schemeClr val="tx1"/>
-              </a:solidFill>
-            </a:endParaRPr>
+              <a:t>по мимо ключа доступа (токена)</a:t>
+            </a:r>
+            <a:r>
+              <a:rPr lang="en-US" dirty="0" smtClean="0"/>
+              <a:t> </a:t>
+            </a:r>
+            <a:r>
+              <a:rPr lang="ru-RU" dirty="0" smtClean="0"/>
+              <a:t>нашему боту так же необходим и адрес обращающийся к </a:t>
+            </a:r>
+            <a:r>
+              <a:rPr lang="en-US" dirty="0" smtClean="0"/>
+              <a:t>API</a:t>
+            </a:r>
+            <a:r>
+              <a:rPr lang="ru-RU" dirty="0" smtClean="0"/>
+              <a:t>, а так же настройки методов.</a:t>
+            </a:r>
+            <a:endParaRPr lang="en-US" dirty="0" smtClean="0"/>
           </a:p>
         </p:txBody>
       </p:sp>
@@ -6439,7 +6322,15 @@
           <a:p>
             <a:r>
               <a:rPr lang="ru-RU" dirty="0" smtClean="0"/>
-              <a:t>Методы </a:t>
+              <a:t>Адрес</a:t>
+            </a:r>
+            <a:r>
+              <a:rPr lang="en-US" dirty="0" smtClean="0"/>
+              <a:t> </a:t>
+            </a:r>
+            <a:r>
+              <a:rPr lang="ru-RU" dirty="0" smtClean="0"/>
+              <a:t>к </a:t>
             </a:r>
             <a:r>
               <a:rPr lang="en-US" dirty="0" smtClean="0"/>
@@ -6459,16 +6350,9 @@
             <p:ph idx="1"/>
           </p:nvPr>
         </p:nvSpPr>
-        <p:spPr>
-          <a:xfrm>
-            <a:off x="677334" y="1578635"/>
-            <a:ext cx="8596668" cy="5098210"/>
-          </a:xfrm>
-        </p:spPr>
-        <p:txBody>
-          <a:bodyPr>
-            <a:normAutofit/>
-          </a:bodyPr>
+        <p:spPr/>
+        <p:txBody>
+          <a:bodyPr/>
           <a:lstStyle/>
           <a:p>
             <a:pPr>
@@ -6477,7 +6361,19 @@
             </a:pPr>
             <a:r>
               <a:rPr lang="ru-RU" dirty="0" smtClean="0"/>
-              <a:t>Для получения доступа мы должны</a:t>
+              <a:t>Для обращения к </a:t>
+            </a:r>
+            <a:r>
+              <a:rPr lang="en-US" dirty="0" smtClean="0"/>
+              <a:t>API </a:t>
+            </a:r>
+            <a:r>
+              <a:rPr lang="ru-RU" dirty="0" smtClean="0"/>
+              <a:t>для </a:t>
+            </a:r>
+            <a:r>
+              <a:rPr lang="en-US" dirty="0" err="1" smtClean="0"/>
+              <a:t>vk</a:t>
             </a:r>
             <a:r>
               <a:rPr lang="en-US" dirty="0" smtClean="0"/>
@@ -6485,29 +6381,21 @@
             </a:r>
             <a:r>
               <a:rPr lang="ru-RU" dirty="0" smtClean="0"/>
-              <a:t>обратиться к методам</a:t>
+              <a:t>необходимо прописать его </a:t>
+            </a:r>
+            <a:r>
+              <a:rPr lang="ru-RU" dirty="0" err="1" smtClean="0"/>
+              <a:t>адресс</a:t>
+            </a:r>
+            <a:r>
+              <a:rPr lang="ru-RU" dirty="0" smtClean="0"/>
+              <a:t>: </a:t>
             </a:r>
           </a:p>
           <a:p>
             <a:pPr>
               <a:buNone/>
             </a:pPr>
-            <a:r>
-              <a:rPr lang="en-US" dirty="0" smtClean="0">
-                <a:solidFill>
-                  <a:schemeClr val="tx1"/>
-                </a:solidFill>
-              </a:rPr>
-              <a:t>https://</a:t>
-            </a:r>
-            <a:r>
-              <a:rPr lang="en-US" dirty="0" smtClean="0">
-                <a:solidFill>
-                  <a:schemeClr val="tx1"/>
-                </a:solidFill>
-              </a:rPr>
-              <a:t>api.vk.com/</a:t>
-            </a:r>
             <a:r>
               <a:rPr lang="en-US" dirty="0" smtClean="0">
                 <a:solidFill>
@@ -6517,14 +6405,9 @@
                   </a:schemeClr>
                 </a:solidFill>
               </a:rPr>
-              <a:t>method/</a:t>
-            </a:r>
-          </a:p>
-          <a:p>
-            <a:pPr>
-              <a:buNone/>
-            </a:pPr>
-            <a:endParaRPr lang="en-US" dirty="0" smtClean="0">
+              <a:t>https://api.vk.com/</a:t>
+            </a:r>
+            <a:endParaRPr lang="ru-RU" dirty="0" smtClean="0">
               <a:solidFill>
                 <a:schemeClr val="accent1">
                   <a:lumMod val="60000"/>
@@ -6537,47 +6420,6 @@
             <a:pPr>
               <a:buFont typeface="Wingdings"/>
               <a:buChar char="Ø"/>
-            </a:pPr>
-            <a:r>
-              <a:rPr lang="ru-RU" dirty="0" smtClean="0"/>
-              <a:t>Вызвать конкретный метод:</a:t>
-            </a:r>
-          </a:p>
-          <a:p>
-            <a:pPr>
-              <a:buNone/>
-            </a:pPr>
-            <a:r>
-              <a:rPr lang="en-US" dirty="0" smtClean="0">
-                <a:solidFill>
-                  <a:schemeClr val="tx1"/>
-                </a:solidFill>
-              </a:rPr>
-              <a:t>https://</a:t>
-            </a:r>
-            <a:r>
-              <a:rPr lang="en-US" dirty="0" smtClean="0">
-                <a:solidFill>
-                  <a:schemeClr val="tx1"/>
-                </a:solidFill>
-              </a:rPr>
-              <a:t>api.vk.com/method/</a:t>
-            </a:r>
-            <a:r>
-              <a:rPr lang="en-US" dirty="0" smtClean="0">
-                <a:solidFill>
-                  <a:schemeClr val="accent1">
-                    <a:lumMod val="60000"/>
-                    <a:lumOff val="40000"/>
-                  </a:schemeClr>
-                </a:solidFill>
-              </a:rPr>
-              <a:t>wall.get?</a:t>
-            </a:r>
-          </a:p>
-          <a:p>
-            <a:pPr>
-              <a:buNone/>
             </a:pPr>
             <a:endParaRPr lang="ru-RU" dirty="0" smtClean="0">
               <a:solidFill>
@@ -6590,140 +6432,18 @@
           </a:p>
           <a:p>
             <a:pPr>
-              <a:buNone/>
+              <a:buFont typeface="Wingdings"/>
+              <a:buChar char="Ø"/>
             </a:pPr>
             <a:r>
-              <a:rPr lang="en-US" dirty="0" smtClean="0">
+              <a:rPr lang="ru-RU" dirty="0" smtClean="0">
                 <a:solidFill>
                   <a:schemeClr val="tx1"/>
                 </a:solidFill>
               </a:rPr>
-              <a:t>wall.get</a:t>
-            </a:r>
-            <a:r>
-              <a:rPr lang="ru-RU" dirty="0" smtClean="0">
-                <a:solidFill>
-                  <a:schemeClr val="tx1"/>
-                </a:solidFill>
-              </a:rPr>
-              <a:t>?</a:t>
-            </a:r>
-            <a:endParaRPr lang="en-US" dirty="0" smtClean="0">
-              <a:solidFill>
-                <a:schemeClr val="tx1"/>
-              </a:solidFill>
-            </a:endParaRPr>
-          </a:p>
-          <a:p>
-            <a:pPr>
-              <a:buNone/>
-            </a:pPr>
-            <a:r>
-              <a:rPr lang="en-US" dirty="0" smtClean="0">
-                <a:solidFill>
-                  <a:schemeClr val="tx1"/>
-                </a:solidFill>
-              </a:rPr>
-              <a:t>wall – </a:t>
-            </a:r>
-            <a:r>
-              <a:rPr lang="ru-RU" dirty="0" smtClean="0">
-                <a:solidFill>
-                  <a:schemeClr val="tx1"/>
-                </a:solidFill>
-              </a:rPr>
-              <a:t>обращение к объекту – стена</a:t>
-            </a:r>
-          </a:p>
-          <a:p>
-            <a:pPr>
-              <a:buNone/>
-            </a:pPr>
-            <a:r>
-              <a:rPr lang="en-US" dirty="0" smtClean="0">
-                <a:solidFill>
-                  <a:schemeClr val="tx1"/>
-                </a:solidFill>
-              </a:rPr>
-              <a:t>g</a:t>
-            </a:r>
-            <a:r>
-              <a:rPr lang="en-US" dirty="0" smtClean="0">
-                <a:solidFill>
-                  <a:schemeClr val="tx1"/>
-                </a:solidFill>
-              </a:rPr>
-              <a:t>et – </a:t>
-            </a:r>
-            <a:r>
-              <a:rPr lang="ru-RU" dirty="0" smtClean="0">
-                <a:solidFill>
-                  <a:schemeClr val="tx1"/>
-                </a:solidFill>
-              </a:rPr>
-              <a:t>сбор данных</a:t>
-            </a:r>
-          </a:p>
-          <a:p>
-            <a:pPr>
-              <a:buNone/>
-            </a:pPr>
-            <a:r>
-              <a:rPr lang="ru-RU" dirty="0" smtClean="0">
-                <a:solidFill>
-                  <a:schemeClr val="tx1"/>
-                </a:solidFill>
-              </a:rPr>
-              <a:t>? – оператор указывающий на последующие параметры</a:t>
-            </a:r>
-            <a:endParaRPr lang="ru-RU" dirty="0" smtClean="0">
-              <a:solidFill>
-                <a:schemeClr val="tx1"/>
-              </a:solidFill>
-            </a:endParaRPr>
-          </a:p>
-          <a:p>
-            <a:pPr>
-              <a:buNone/>
-            </a:pPr>
-            <a:endParaRPr lang="en-US" dirty="0" smtClean="0">
-              <a:solidFill>
-                <a:schemeClr val="accent1">
-                  <a:lumMod val="60000"/>
-                  <a:lumOff val="40000"/>
-                </a:schemeClr>
-              </a:solidFill>
-            </a:endParaRPr>
-          </a:p>
-          <a:p>
-            <a:pPr>
-              <a:buNone/>
-            </a:pPr>
-            <a:r>
-              <a:rPr lang="ru-RU" dirty="0" smtClean="0">
-                <a:solidFill>
-                  <a:schemeClr val="tx1"/>
-                </a:solidFill>
-              </a:rPr>
-              <a:t>На этом этапе мы получим наш первый </a:t>
-            </a:r>
-            <a:r>
-              <a:rPr lang="en-US" dirty="0" smtClean="0">
-                <a:solidFill>
-                  <a:schemeClr val="tx1"/>
-                </a:solidFill>
-              </a:rPr>
-              <a:t>json </a:t>
-            </a:r>
-            <a:r>
-              <a:rPr lang="ru-RU" dirty="0" smtClean="0">
-                <a:solidFill>
-                  <a:schemeClr val="tx1"/>
-                </a:solidFill>
-              </a:rPr>
-              <a:t>ответ</a:t>
-            </a:r>
-            <a:endParaRPr lang="en-US" dirty="0" smtClean="0">
+              <a:t>Однако мы получим ответ 403 – что означает, что в доступе отказано …</a:t>
+            </a:r>
+            <a:endParaRPr lang="ru-RU" dirty="0">
               <a:solidFill>
                 <a:schemeClr val="tx1"/>
               </a:solidFill>
@@ -6773,7 +6493,11 @@
           <a:p>
             <a:r>
               <a:rPr lang="ru-RU" dirty="0" smtClean="0"/>
-              <a:t>Задание</a:t>
+              <a:t>Методы </a:t>
+            </a:r>
+            <a:r>
+              <a:rPr lang="en-US" dirty="0" smtClean="0"/>
+              <a:t>API</a:t>
             </a:r>
             <a:endParaRPr lang="ru-RU" dirty="0"/>
           </a:p>
@@ -6789,7 +6513,12 @@
             <p:ph idx="1"/>
           </p:nvPr>
         </p:nvSpPr>
-        <p:spPr/>
+        <p:spPr>
+          <a:xfrm>
+            <a:off x="677334" y="1578635"/>
+            <a:ext cx="8596668" cy="5098210"/>
+          </a:xfrm>
+        </p:spPr>
         <p:txBody>
           <a:bodyPr>
             <a:normAutofit/>
@@ -6802,12 +6531,53 @@
             </a:pPr>
             <a:r>
               <a:rPr lang="ru-RU" dirty="0" smtClean="0"/>
-              <a:t>Создайте модуль </a:t>
+              <a:t>Для получения доступа мы должны</a:t>
             </a:r>
             <a:r>
               <a:rPr lang="en-US" dirty="0" smtClean="0"/>
-              <a:t>bot.py</a:t>
-            </a:r>
+              <a:t> </a:t>
+            </a:r>
+            <a:r>
+              <a:rPr lang="ru-RU" dirty="0" smtClean="0"/>
+              <a:t>обратиться к методам</a:t>
+            </a:r>
+          </a:p>
+          <a:p>
+            <a:pPr>
+              <a:buNone/>
+            </a:pPr>
+            <a:r>
+              <a:rPr lang="en-US" dirty="0" smtClean="0">
+                <a:solidFill>
+                  <a:schemeClr val="tx1"/>
+                </a:solidFill>
+              </a:rPr>
+              <a:t>https://api.vk.com/</a:t>
+            </a:r>
+            <a:r>
+              <a:rPr lang="en-US" dirty="0" smtClean="0">
+                <a:solidFill>
+                  <a:schemeClr val="accent1">
+                    <a:lumMod val="60000"/>
+                    <a:lumOff val="40000"/>
+                  </a:schemeClr>
+                </a:solidFill>
+              </a:rPr>
+              <a:t>method/</a:t>
+            </a:r>
+          </a:p>
+          <a:p>
+            <a:pPr>
+              <a:buNone/>
+            </a:pPr>
+            <a:endParaRPr lang="en-US" dirty="0" smtClean="0">
+              <a:solidFill>
+                <a:schemeClr val="accent1">
+                  <a:lumMod val="60000"/>
+                  <a:lumOff val="40000"/>
+                </a:schemeClr>
+              </a:solidFill>
+            </a:endParaRPr>
           </a:p>
           <a:p>
             <a:pPr>
@@ -6816,84 +6586,173 @@
             </a:pPr>
             <a:r>
               <a:rPr lang="ru-RU" dirty="0" smtClean="0"/>
-              <a:t>В нем создайте класс </a:t>
-            </a:r>
-            <a:r>
-              <a:rPr lang="en-US" dirty="0" smtClean="0"/>
-              <a:t>Bot</a:t>
+              <a:t>Вызвать конкретный метод:</a:t>
             </a:r>
           </a:p>
           <a:p>
             <a:pPr>
-              <a:buFont typeface="Wingdings"/>
-              <a:buChar char="Ø"/>
+              <a:buNone/>
             </a:pPr>
             <a:r>
-              <a:rPr lang="ru-RU" dirty="0" smtClean="0"/>
-              <a:t>В этом классе создайте 2 полностью инкапсулированные (с ограниченным доступом) переменные:</a:t>
-            </a:r>
-          </a:p>
-          <a:p>
-            <a:pPr lvl="1">
-              <a:buFont typeface="Wingdings"/>
-              <a:buChar char="Ø"/>
+              <a:rPr lang="en-US" dirty="0" smtClean="0">
+                <a:solidFill>
+                  <a:schemeClr val="tx1"/>
+                </a:solidFill>
+              </a:rPr>
+              <a:t>https://api.vk.com/method/</a:t>
+            </a:r>
+            <a:r>
+              <a:rPr lang="en-US" dirty="0" smtClean="0">
+                <a:solidFill>
+                  <a:schemeClr val="accent1">
+                    <a:lumMod val="60000"/>
+                    <a:lumOff val="40000"/>
+                  </a:schemeClr>
+                </a:solidFill>
+              </a:rPr>
+              <a:t>wall.get?</a:t>
+            </a:r>
+          </a:p>
+          <a:p>
+            <a:pPr>
+              <a:buNone/>
             </a:pPr>
-            <a:r>
-              <a:rPr lang="en-US" dirty="0" smtClean="0"/>
-              <a:t>base_url - </a:t>
-            </a:r>
-            <a:r>
-              <a:rPr lang="ru-RU" dirty="0" smtClean="0"/>
-              <a:t>переменная которая имеет полный адрес до вызова методов включительно</a:t>
-            </a:r>
-          </a:p>
-          <a:p>
-            <a:pPr lvl="1">
-              <a:buFont typeface="Wingdings"/>
-              <a:buChar char="Ø"/>
+            <a:endParaRPr lang="ru-RU" dirty="0" smtClean="0">
+              <a:solidFill>
+                <a:schemeClr val="accent1">
+                  <a:lumMod val="60000"/>
+                  <a:lumOff val="40000"/>
+                </a:schemeClr>
+              </a:solidFill>
+            </a:endParaRPr>
+          </a:p>
+          <a:p>
+            <a:pPr>
+              <a:buNone/>
             </a:pPr>
             <a:r>
-              <a:rPr lang="en-US" dirty="0" smtClean="0"/>
-              <a:t>methods </a:t>
-            </a:r>
-            <a:r>
-              <a:rPr lang="en-US" dirty="0" smtClean="0"/>
-              <a:t>– </a:t>
-            </a:r>
-            <a:r>
-              <a:rPr lang="ru-RU" dirty="0" smtClean="0"/>
-              <a:t>переменная имеющая адрес </a:t>
-            </a:r>
-            <a:r>
-              <a:rPr lang="ru-RU" dirty="0" smtClean="0"/>
-              <a:t>метода</a:t>
-            </a:r>
+              <a:rPr lang="en-US" dirty="0" smtClean="0">
+                <a:solidFill>
+                  <a:schemeClr val="tx1"/>
+                </a:solidFill>
+              </a:rPr>
+              <a:t>wall.get</a:t>
+            </a:r>
+            <a:r>
+              <a:rPr lang="ru-RU" dirty="0" smtClean="0">
+                <a:solidFill>
+                  <a:schemeClr val="tx1"/>
+                </a:solidFill>
+              </a:rPr>
+              <a:t>?</a:t>
+            </a:r>
+            <a:endParaRPr lang="en-US" dirty="0" smtClean="0">
+              <a:solidFill>
+                <a:schemeClr val="tx1"/>
+              </a:solidFill>
+            </a:endParaRPr>
           </a:p>
           <a:p>
             <a:pPr>
-              <a:buFont typeface="Wingdings"/>
-              <a:buChar char="Ø"/>
+              <a:buNone/>
             </a:pPr>
             <a:r>
-              <a:rPr lang="ru-RU" dirty="0" smtClean="0"/>
-              <a:t>Создайте функцию </a:t>
-            </a:r>
-            <a:r>
-              <a:rPr lang="en-US" dirty="0" smtClean="0"/>
-              <a:t>create_url</a:t>
-            </a:r>
-            <a:r>
-              <a:rPr lang="ru-RU" dirty="0" smtClean="0"/>
-              <a:t>, которая конкатенирует обе эти переменные и выдает ссылку, которая ведет к тому же </a:t>
-            </a:r>
-            <a:r>
-              <a:rPr lang="en-US" dirty="0" smtClean="0"/>
+              <a:rPr lang="en-US" dirty="0" smtClean="0">
+                <a:solidFill>
+                  <a:schemeClr val="tx1"/>
+                </a:solidFill>
+              </a:rPr>
+              <a:t>wall – </a:t>
+            </a:r>
+            <a:r>
+              <a:rPr lang="ru-RU" dirty="0" smtClean="0">
+                <a:solidFill>
+                  <a:schemeClr val="tx1"/>
+                </a:solidFill>
+              </a:rPr>
+              <a:t>обращение к объекту – стена</a:t>
+            </a:r>
+          </a:p>
+          <a:p>
+            <a:pPr>
+              <a:buNone/>
+            </a:pPr>
+            <a:r>
+              <a:rPr lang="en-US" dirty="0" smtClean="0">
+                <a:solidFill>
+                  <a:schemeClr val="tx1"/>
+                </a:solidFill>
+              </a:rPr>
+              <a:t>get – </a:t>
+            </a:r>
+            <a:r>
+              <a:rPr lang="ru-RU" dirty="0" smtClean="0">
+                <a:solidFill>
+                  <a:schemeClr val="tx1"/>
+                </a:solidFill>
+              </a:rPr>
+              <a:t>сбор данных</a:t>
+            </a:r>
+          </a:p>
+          <a:p>
+            <a:pPr>
+              <a:buNone/>
+            </a:pPr>
+            <a:r>
+              <a:rPr lang="ru-RU" dirty="0" smtClean="0">
+                <a:solidFill>
+                  <a:schemeClr val="tx1"/>
+                </a:solidFill>
+              </a:rPr>
+              <a:t>? – оператор указывающий на последующие параметры</a:t>
+            </a:r>
+          </a:p>
+          <a:p>
+            <a:pPr>
+              <a:buNone/>
+            </a:pPr>
+            <a:endParaRPr lang="en-US" dirty="0" smtClean="0">
+              <a:solidFill>
+                <a:schemeClr val="accent1">
+                  <a:lumMod val="60000"/>
+                  <a:lumOff val="40000"/>
+                </a:schemeClr>
+              </a:solidFill>
+            </a:endParaRPr>
+          </a:p>
+          <a:p>
+            <a:pPr>
+              <a:buNone/>
+            </a:pPr>
+            <a:r>
+              <a:rPr lang="ru-RU" dirty="0" smtClean="0">
+                <a:solidFill>
+                  <a:schemeClr val="tx1"/>
+                </a:solidFill>
+              </a:rPr>
+              <a:t>На этом этапе мы получим наш первый </a:t>
+            </a:r>
+            <a:r>
+              <a:rPr lang="en-US" dirty="0" smtClean="0">
+                <a:solidFill>
+                  <a:schemeClr val="tx1"/>
+                </a:solidFill>
+              </a:rPr>
               <a:t>json </a:t>
             </a:r>
             <a:r>
-              <a:rPr lang="ru-RU" dirty="0" smtClean="0"/>
-              <a:t>объекту, что мы видели ранее.</a:t>
-            </a:r>
+              <a:rPr lang="ru-RU" dirty="0" smtClean="0">
+                <a:solidFill>
+                  <a:schemeClr val="tx1"/>
+                </a:solidFill>
+              </a:rPr>
+              <a:t>ответ</a:t>
+            </a:r>
+            <a:endParaRPr lang="en-US" dirty="0" smtClean="0">
+              <a:solidFill>
+                <a:schemeClr val="tx1"/>
+              </a:solidFill>
+            </a:endParaRPr>
           </a:p>
         </p:txBody>
       </p:sp>
@@ -6939,11 +6798,7 @@
           <a:p>
             <a:r>
               <a:rPr lang="ru-RU" dirty="0" smtClean="0"/>
-              <a:t>Параметры метода для </a:t>
-            </a:r>
-            <a:r>
-              <a:rPr lang="en-US" dirty="0" smtClean="0"/>
-              <a:t>API</a:t>
+              <a:t>Задание</a:t>
             </a:r>
             <a:endParaRPr lang="ru-RU" dirty="0"/>
           </a:p>
@@ -6961,7 +6816,9 @@
         </p:nvSpPr>
         <p:spPr/>
         <p:txBody>
-          <a:bodyPr/>
+          <a:bodyPr>
+            <a:normAutofit/>
+          </a:bodyPr>
           <a:lstStyle/>
           <a:p>
             <a:pPr>
@@ -6970,444 +6827,90 @@
             </a:pPr>
             <a:r>
               <a:rPr lang="ru-RU" dirty="0" smtClean="0"/>
-              <a:t>Теперь для получения того, что нам нужно пропишем все </a:t>
-            </a:r>
-            <a:r>
-              <a:rPr lang="ru-RU" dirty="0" smtClean="0"/>
-              <a:t>необходимые параметры:</a:t>
+              <a:t>Создайте модуль </a:t>
+            </a:r>
+            <a:r>
+              <a:rPr lang="en-US" dirty="0" smtClean="0"/>
+              <a:t>bot.py</a:t>
             </a:r>
           </a:p>
           <a:p>
             <a:pPr>
-              <a:buNone/>
+              <a:buFont typeface="Wingdings"/>
+              <a:buChar char="Ø"/>
             </a:pPr>
             <a:r>
-              <a:rPr lang="en-US" dirty="0" smtClean="0">
-                <a:solidFill>
-                  <a:schemeClr val="tx1"/>
-                </a:solidFill>
-              </a:rPr>
-              <a:t>https://api.vk.com/method/wall.get?</a:t>
-            </a:r>
-            <a:endParaRPr lang="ru-RU" dirty="0" smtClean="0">
-              <a:solidFill>
-                <a:schemeClr val="tx1"/>
-              </a:solidFill>
-            </a:endParaRPr>
+              <a:rPr lang="ru-RU" dirty="0" smtClean="0"/>
+              <a:t>В нем создайте класс </a:t>
+            </a:r>
+            <a:r>
+              <a:rPr lang="en-US" dirty="0" smtClean="0"/>
+              <a:t>Bot</a:t>
+            </a:r>
           </a:p>
           <a:p>
             <a:pPr>
-              <a:buNone/>
+              <a:buFont typeface="Wingdings"/>
+              <a:buChar char="Ø"/>
             </a:pPr>
             <a:r>
-              <a:rPr lang="en-US" dirty="0" smtClean="0">
-                <a:solidFill>
-                  <a:schemeClr val="accent1">
-                    <a:lumMod val="60000"/>
-                    <a:lumOff val="40000"/>
-                  </a:schemeClr>
-                </a:solidFill>
-              </a:rPr>
-              <a:t>owner_id=(</a:t>
-            </a:r>
-            <a:r>
-              <a:rPr lang="ru-RU" dirty="0" smtClean="0">
-                <a:solidFill>
-                  <a:schemeClr val="accent1">
-                    <a:lumMod val="60000"/>
-                    <a:lumOff val="40000"/>
-                  </a:schemeClr>
-                </a:solidFill>
-              </a:rPr>
-              <a:t>сюда помещается </a:t>
-            </a:r>
-            <a:r>
-              <a:rPr lang="en-US" dirty="0" smtClean="0">
-                <a:solidFill>
-                  <a:schemeClr val="accent1">
-                    <a:lumMod val="60000"/>
-                    <a:lumOff val="40000"/>
-                  </a:schemeClr>
-                </a:solidFill>
-              </a:rPr>
-              <a:t>id </a:t>
-            </a:r>
-            <a:r>
-              <a:rPr lang="ru-RU" dirty="0" smtClean="0">
-                <a:solidFill>
-                  <a:schemeClr val="accent1">
-                    <a:lumMod val="60000"/>
-                    <a:lumOff val="40000"/>
-                  </a:schemeClr>
-                </a:solidFill>
-              </a:rPr>
-              <a:t>странички, перед </a:t>
-            </a:r>
-            <a:r>
-              <a:rPr lang="en-US" dirty="0" smtClean="0">
-                <a:solidFill>
-                  <a:schemeClr val="accent1">
-                    <a:lumMod val="60000"/>
-                    <a:lumOff val="40000"/>
-                  </a:schemeClr>
-                </a:solidFill>
-              </a:rPr>
-              <a:t>id </a:t>
-            </a:r>
-            <a:r>
-              <a:rPr lang="ru-RU" dirty="0" smtClean="0">
-                <a:solidFill>
-                  <a:schemeClr val="accent1">
-                    <a:lumMod val="60000"/>
-                    <a:lumOff val="40000"/>
-                  </a:schemeClr>
-                </a:solidFill>
-              </a:rPr>
-              <a:t>пишется - </a:t>
-            </a:r>
-            <a:r>
-              <a:rPr lang="en-US" dirty="0" smtClean="0">
-                <a:solidFill>
-                  <a:schemeClr val="accent1">
-                    <a:lumMod val="60000"/>
-                    <a:lumOff val="40000"/>
-                  </a:schemeClr>
-                </a:solidFill>
-              </a:rPr>
-              <a:t>)&amp;</a:t>
-            </a:r>
-            <a:endParaRPr lang="en-US" dirty="0" smtClean="0"/>
+              <a:rPr lang="ru-RU" dirty="0" smtClean="0"/>
+              <a:t>В этом классе создайте 2 полностью инкапсулированные (с ограниченным доступом) переменные:</a:t>
+            </a:r>
+          </a:p>
+          <a:p>
+            <a:pPr lvl="1">
+              <a:buFont typeface="Wingdings"/>
+              <a:buChar char="Ø"/>
+            </a:pPr>
+            <a:r>
+              <a:rPr lang="en-US" dirty="0" smtClean="0"/>
+              <a:t>base_url - </a:t>
+            </a:r>
+            <a:r>
+              <a:rPr lang="ru-RU" dirty="0" smtClean="0"/>
+              <a:t>переменная которая имеет полный адрес до вызова методов включительно</a:t>
+            </a:r>
+          </a:p>
+          <a:p>
+            <a:pPr lvl="1">
+              <a:buFont typeface="Wingdings"/>
+              <a:buChar char="Ø"/>
+            </a:pPr>
+            <a:r>
+              <a:rPr lang="en-US" dirty="0" smtClean="0"/>
+              <a:t>methods – </a:t>
+            </a:r>
+            <a:r>
+              <a:rPr lang="ru-RU" dirty="0" smtClean="0"/>
+              <a:t>переменная имеющая адрес метода</a:t>
+            </a:r>
           </a:p>
           <a:p>
             <a:pPr>
-              <a:buNone/>
+              <a:buFont typeface="Wingdings"/>
+              <a:buChar char="Ø"/>
             </a:pPr>
             <a:r>
-              <a:rPr lang="en-US" dirty="0" smtClean="0">
-                <a:solidFill>
-                  <a:schemeClr val="accent1">
-                    <a:lumMod val="60000"/>
-                    <a:lumOff val="40000"/>
-                  </a:schemeClr>
-                </a:solidFill>
-              </a:rPr>
-              <a:t>count=(</a:t>
-            </a:r>
-            <a:r>
-              <a:rPr lang="ru-RU" dirty="0" smtClean="0">
-                <a:solidFill>
-                  <a:schemeClr val="accent1">
-                    <a:lumMod val="60000"/>
-                    <a:lumOff val="40000"/>
-                  </a:schemeClr>
-                </a:solidFill>
-              </a:rPr>
-              <a:t>количество </a:t>
-            </a:r>
-            <a:r>
-              <a:rPr lang="ru-RU" dirty="0" smtClean="0">
-                <a:solidFill>
-                  <a:schemeClr val="accent1">
-                    <a:lumMod val="60000"/>
-                    <a:lumOff val="40000"/>
-                  </a:schemeClr>
-                </a:solidFill>
-              </a:rPr>
-              <a:t>объектов</a:t>
-            </a:r>
-            <a:r>
-              <a:rPr lang="en-US" dirty="0" smtClean="0">
-                <a:solidFill>
-                  <a:schemeClr val="accent1">
-                    <a:lumMod val="60000"/>
-                    <a:lumOff val="40000"/>
-                  </a:schemeClr>
-                </a:solidFill>
-              </a:rPr>
-              <a:t>, </a:t>
-            </a:r>
-            <a:r>
-              <a:rPr lang="ru-RU" dirty="0" smtClean="0">
-                <a:solidFill>
-                  <a:schemeClr val="accent1">
-                    <a:lumMod val="60000"/>
-                    <a:lumOff val="40000"/>
-                  </a:schemeClr>
-                </a:solidFill>
-              </a:rPr>
-              <a:t>в этом методе максимальное число = 100</a:t>
-            </a:r>
-            <a:r>
-              <a:rPr lang="en-US" dirty="0" smtClean="0">
-                <a:solidFill>
-                  <a:schemeClr val="accent1">
-                    <a:lumMod val="60000"/>
-                    <a:lumOff val="40000"/>
-                  </a:schemeClr>
-                </a:solidFill>
-              </a:rPr>
-              <a:t>)&amp;</a:t>
-            </a:r>
-          </a:p>
-          <a:p>
-            <a:pPr>
-              <a:buNone/>
-            </a:pPr>
-            <a:r>
-              <a:rPr lang="en-US" dirty="0" smtClean="0">
-                <a:solidFill>
-                  <a:schemeClr val="accent1">
-                    <a:lumMod val="60000"/>
-                    <a:lumOff val="40000"/>
-                  </a:schemeClr>
-                </a:solidFill>
-              </a:rPr>
-              <a:t>o</a:t>
-            </a:r>
-            <a:r>
-              <a:rPr lang="en-US" dirty="0" smtClean="0">
-                <a:solidFill>
-                  <a:schemeClr val="accent1">
-                    <a:lumMod val="60000"/>
-                    <a:lumOff val="40000"/>
-                  </a:schemeClr>
-                </a:solidFill>
-              </a:rPr>
-              <a:t>ffset=(</a:t>
-            </a:r>
-            <a:r>
-              <a:rPr lang="ru-RU" dirty="0" smtClean="0">
-                <a:solidFill>
-                  <a:schemeClr val="accent1">
-                    <a:lumMod val="60000"/>
-                    <a:lumOff val="40000"/>
-                  </a:schemeClr>
-                </a:solidFill>
-              </a:rPr>
-              <a:t>смещение – какой объект, от последнего, </a:t>
-            </a:r>
-            <a:r>
-              <a:rPr lang="ru-RU" dirty="0" smtClean="0">
-                <a:solidFill>
-                  <a:schemeClr val="accent1">
-                    <a:lumMod val="60000"/>
-                    <a:lumOff val="40000"/>
-                  </a:schemeClr>
-                </a:solidFill>
-              </a:rPr>
-              <a:t>м</a:t>
-            </a:r>
-            <a:r>
-              <a:rPr lang="ru-RU" dirty="0" smtClean="0">
-                <a:solidFill>
-                  <a:schemeClr val="accent1">
-                    <a:lumMod val="60000"/>
-                    <a:lumOff val="40000"/>
-                  </a:schemeClr>
-                </a:solidFill>
-              </a:rPr>
-              <a:t>ы будем парсить</a:t>
-            </a:r>
-            <a:r>
-              <a:rPr lang="en-US" dirty="0" smtClean="0">
-                <a:solidFill>
-                  <a:schemeClr val="accent1">
-                    <a:lumMod val="60000"/>
-                    <a:lumOff val="40000"/>
-                  </a:schemeClr>
-                </a:solidFill>
-              </a:rPr>
-              <a:t>)&amp;</a:t>
-            </a:r>
-          </a:p>
-          <a:p>
-            <a:pPr>
-              <a:buNone/>
-            </a:pPr>
-            <a:r>
-              <a:rPr lang="en-US" dirty="0" smtClean="0">
-                <a:solidFill>
-                  <a:schemeClr val="accent1">
-                    <a:lumMod val="60000"/>
-                    <a:lumOff val="40000"/>
-                  </a:schemeClr>
-                </a:solidFill>
-              </a:rPr>
-              <a:t>access_token=(</a:t>
-            </a:r>
-            <a:r>
-              <a:rPr lang="ru-RU" dirty="0" smtClean="0">
-                <a:solidFill>
-                  <a:schemeClr val="accent1">
-                    <a:lumMod val="60000"/>
-                    <a:lumOff val="40000"/>
-                  </a:schemeClr>
-                </a:solidFill>
-              </a:rPr>
-              <a:t>сюда помещается наш токен</a:t>
-            </a:r>
-            <a:r>
-              <a:rPr lang="en-US" dirty="0" smtClean="0">
-                <a:solidFill>
-                  <a:schemeClr val="accent1">
-                    <a:lumMod val="60000"/>
-                    <a:lumOff val="40000"/>
-                  </a:schemeClr>
-                </a:solidFill>
-              </a:rPr>
-              <a:t>)&amp;</a:t>
-            </a:r>
-          </a:p>
-          <a:p>
-            <a:pPr>
-              <a:buNone/>
-            </a:pPr>
-            <a:r>
-              <a:rPr lang="en-US" dirty="0" smtClean="0">
-                <a:solidFill>
-                  <a:schemeClr val="accent1">
-                    <a:lumMod val="60000"/>
-                    <a:lumOff val="40000"/>
-                  </a:schemeClr>
-                </a:solidFill>
-              </a:rPr>
-              <a:t>v=(</a:t>
-            </a:r>
-            <a:r>
-              <a:rPr lang="ru-RU" dirty="0" smtClean="0">
-                <a:solidFill>
-                  <a:schemeClr val="accent1">
-                    <a:lumMod val="60000"/>
-                    <a:lumOff val="40000"/>
-                  </a:schemeClr>
-                </a:solidFill>
-              </a:rPr>
-              <a:t>версия ответа, мы будем </a:t>
-            </a:r>
-            <a:r>
-              <a:rPr lang="ru-RU" dirty="0" smtClean="0">
-                <a:solidFill>
-                  <a:schemeClr val="accent1">
-                    <a:lumMod val="60000"/>
-                    <a:lumOff val="40000"/>
-                  </a:schemeClr>
-                </a:solidFill>
-              </a:rPr>
-              <a:t>и</a:t>
-            </a:r>
-            <a:r>
-              <a:rPr lang="ru-RU" dirty="0" smtClean="0">
-                <a:solidFill>
-                  <a:schemeClr val="accent1">
-                    <a:lumMod val="60000"/>
-                    <a:lumOff val="40000"/>
-                  </a:schemeClr>
-                </a:solidFill>
-              </a:rPr>
-              <a:t>спользовать 5.126</a:t>
-            </a:r>
-            <a:r>
-              <a:rPr lang="en-US" dirty="0" smtClean="0">
-                <a:solidFill>
-                  <a:schemeClr val="accent1">
-                    <a:lumMod val="60000"/>
-                    <a:lumOff val="40000"/>
-                  </a:schemeClr>
-                </a:solidFill>
-              </a:rPr>
-              <a:t>)</a:t>
-            </a:r>
-            <a:endParaRPr lang="ru-RU" dirty="0" smtClean="0">
-              <a:solidFill>
-                <a:schemeClr val="accent1">
-                  <a:lumMod val="60000"/>
-                  <a:lumOff val="40000"/>
-                </a:schemeClr>
-              </a:solidFill>
-            </a:endParaRPr>
-          </a:p>
-          <a:p>
-            <a:pPr>
-              <a:buNone/>
-            </a:pPr>
-            <a:endParaRPr lang="ru-RU" dirty="0" smtClean="0">
-              <a:solidFill>
-                <a:schemeClr val="accent1">
-                  <a:lumMod val="60000"/>
-                  <a:lumOff val="40000"/>
-                </a:schemeClr>
-              </a:solidFill>
-            </a:endParaRPr>
-          </a:p>
-          <a:p>
-            <a:pPr>
-              <a:buNone/>
-            </a:pPr>
-            <a:r>
-              <a:rPr lang="ru-RU" dirty="0" smtClean="0">
-                <a:solidFill>
-                  <a:schemeClr val="tx1"/>
-                </a:solidFill>
-              </a:rPr>
-              <a:t>Обратите внимание</a:t>
-            </a:r>
-            <a:r>
-              <a:rPr lang="en-US" dirty="0" smtClean="0">
-                <a:solidFill>
-                  <a:schemeClr val="tx1"/>
-                </a:solidFill>
-              </a:rPr>
-              <a:t>,</a:t>
-            </a:r>
-            <a:r>
-              <a:rPr lang="ru-RU" dirty="0" smtClean="0">
-                <a:solidFill>
-                  <a:schemeClr val="tx1"/>
-                </a:solidFill>
-              </a:rPr>
-              <a:t> что между параметрами пишется знак</a:t>
-            </a:r>
-            <a:r>
-              <a:rPr lang="en-US" dirty="0" smtClean="0">
-                <a:solidFill>
-                  <a:schemeClr val="tx1"/>
-                </a:solidFill>
-              </a:rPr>
-              <a:t> -</a:t>
-            </a:r>
-            <a:r>
-              <a:rPr lang="ru-RU" dirty="0" smtClean="0">
-                <a:solidFill>
-                  <a:schemeClr val="tx1"/>
-                </a:solidFill>
-              </a:rPr>
-              <a:t> </a:t>
-            </a:r>
-            <a:r>
-              <a:rPr lang="en-US" dirty="0" smtClean="0">
-                <a:solidFill>
-                  <a:schemeClr val="accent1">
-                    <a:lumMod val="60000"/>
-                    <a:lumOff val="40000"/>
-                  </a:schemeClr>
-                </a:solidFill>
-              </a:rPr>
-              <a:t>&amp;</a:t>
-            </a:r>
-            <a:endParaRPr lang="en-US" dirty="0" smtClean="0">
-              <a:solidFill>
-                <a:schemeClr val="accent1">
-                  <a:lumMod val="60000"/>
-                  <a:lumOff val="40000"/>
-                </a:schemeClr>
-              </a:solidFill>
-            </a:endParaRPr>
-          </a:p>
-          <a:p>
-            <a:pPr>
-              <a:buNone/>
-            </a:pPr>
-            <a:endParaRPr lang="ru-RU" dirty="0"/>
+              <a:rPr lang="ru-RU" dirty="0" smtClean="0"/>
+              <a:t>Создайте функцию </a:t>
+            </a:r>
+            <a:r>
+              <a:rPr lang="en-US" dirty="0" smtClean="0"/>
+              <a:t>create_url</a:t>
+            </a:r>
+            <a:r>
+              <a:rPr lang="ru-RU" dirty="0" smtClean="0"/>
+              <a:t>, которая конкатенирует обе эти переменные и выдает ссылку, которая ведет к тому же </a:t>
+            </a:r>
+            <a:r>
+              <a:rPr lang="en-US" dirty="0" smtClean="0"/>
+              <a:t>json </a:t>
+            </a:r>
+            <a:r>
+              <a:rPr lang="ru-RU" dirty="0" smtClean="0"/>
+              <a:t>объекту, что мы видели ранее.</a:t>
+            </a:r>
           </a:p>
         </p:txBody>
       </p:sp>
@@ -7453,7 +6956,11 @@
           <a:p>
             <a:r>
               <a:rPr lang="ru-RU" dirty="0" smtClean="0"/>
-              <a:t>Задание - часть 1</a:t>
+              <a:t>Параметры метода для </a:t>
+            </a:r>
+            <a:r>
+              <a:rPr lang="en-US" dirty="0" smtClean="0"/>
+              <a:t>API</a:t>
             </a:r>
             <a:endParaRPr lang="ru-RU" dirty="0"/>
           </a:p>
@@ -7480,92 +6987,366 @@
             </a:pPr>
             <a:r>
               <a:rPr lang="ru-RU" dirty="0" smtClean="0"/>
-              <a:t>Создайте модуль </a:t>
-            </a:r>
-            <a:r>
-              <a:rPr lang="en-US" dirty="0" smtClean="0"/>
-              <a:t>main.py</a:t>
+              <a:t>Теперь для получения того, что нам нужно пропишем все необходимые параметры:</a:t>
             </a:r>
           </a:p>
           <a:p>
             <a:pPr>
-              <a:buFont typeface="Wingdings"/>
-              <a:buChar char="Ø"/>
+              <a:buNone/>
             </a:pPr>
             <a:r>
-              <a:rPr lang="ru-RU" dirty="0" smtClean="0"/>
-              <a:t>В него импортируйте:</a:t>
-            </a:r>
-            <a:r>
-              <a:rPr lang="en-US" dirty="0" smtClean="0"/>
+              <a:rPr lang="en-US" dirty="0" smtClean="0">
+                <a:solidFill>
+                  <a:schemeClr val="tx1"/>
+                </a:solidFill>
+              </a:rPr>
+              <a:t>https://api.vk.com/method/wall.get?</a:t>
+            </a:r>
+            <a:endParaRPr lang="ru-RU" dirty="0" smtClean="0">
+              <a:solidFill>
+                <a:schemeClr val="tx1"/>
+              </a:solidFill>
+            </a:endParaRPr>
+          </a:p>
+          <a:p>
+            <a:pPr>
+              <a:buNone/>
+            </a:pPr>
+            <a:r>
+              <a:rPr lang="en-US" dirty="0" smtClean="0">
+                <a:solidFill>
+                  <a:schemeClr val="accent1">
+                    <a:lumMod val="60000"/>
+                    <a:lumOff val="40000"/>
+                  </a:schemeClr>
+                </a:solidFill>
+              </a:rPr>
+              <a:t>owner_id=(</a:t>
+            </a:r>
+            <a:r>
+              <a:rPr lang="ru-RU" dirty="0" smtClean="0">
+                <a:solidFill>
+                  <a:schemeClr val="accent1">
+                    <a:lumMod val="60000"/>
+                    <a:lumOff val="40000"/>
+                  </a:schemeClr>
+                </a:solidFill>
+              </a:rPr>
+              <a:t>сюда помещается </a:t>
+            </a:r>
+            <a:r>
+              <a:rPr lang="en-US" dirty="0" smtClean="0">
+                <a:solidFill>
+                  <a:schemeClr val="accent1">
+                    <a:lumMod val="60000"/>
+                    <a:lumOff val="40000"/>
+                  </a:schemeClr>
+                </a:solidFill>
+              </a:rPr>
+              <a:t>id </a:t>
+            </a:r>
+            <a:r>
+              <a:rPr lang="ru-RU" dirty="0" smtClean="0">
+                <a:solidFill>
+                  <a:schemeClr val="accent1">
+                    <a:lumMod val="60000"/>
+                    <a:lumOff val="40000"/>
+                  </a:schemeClr>
+                </a:solidFill>
+              </a:rPr>
+              <a:t>странички, перед </a:t>
+            </a:r>
+            <a:r>
+              <a:rPr lang="en-US" dirty="0" smtClean="0">
+                <a:solidFill>
+                  <a:schemeClr val="accent1">
+                    <a:lumMod val="60000"/>
+                    <a:lumOff val="40000"/>
+                  </a:schemeClr>
+                </a:solidFill>
+              </a:rPr>
+              <a:t>id </a:t>
+            </a:r>
+            <a:r>
+              <a:rPr lang="ru-RU" dirty="0" smtClean="0">
+                <a:solidFill>
+                  <a:schemeClr val="accent1">
+                    <a:lumMod val="60000"/>
+                    <a:lumOff val="40000"/>
+                  </a:schemeClr>
+                </a:solidFill>
+              </a:rPr>
+              <a:t>пишется - </a:t>
+            </a:r>
+            <a:r>
+              <a:rPr lang="en-US" dirty="0" smtClean="0">
+                <a:solidFill>
+                  <a:schemeClr val="accent1">
+                    <a:lumMod val="60000"/>
+                    <a:lumOff val="40000"/>
+                  </a:schemeClr>
+                </a:solidFill>
+              </a:rPr>
+              <a:t>)&amp;</a:t>
+            </a:r>
+            <a:endParaRPr lang="en-US" dirty="0" smtClean="0"/>
+          </a:p>
+          <a:p>
+            <a:pPr>
+              <a:buNone/>
+            </a:pPr>
+            <a:r>
+              <a:rPr lang="en-US" dirty="0" smtClean="0">
+                <a:solidFill>
+                  <a:schemeClr val="accent1">
+                    <a:lumMod val="60000"/>
+                    <a:lumOff val="40000"/>
+                  </a:schemeClr>
+                </a:solidFill>
+              </a:rPr>
+              <a:t>count=(</a:t>
+            </a:r>
+            <a:r>
+              <a:rPr lang="ru-RU" dirty="0" smtClean="0">
+                <a:solidFill>
+                  <a:schemeClr val="accent1">
+                    <a:lumMod val="60000"/>
+                    <a:lumOff val="40000"/>
+                  </a:schemeClr>
+                </a:solidFill>
+              </a:rPr>
+              <a:t>количество объектов</a:t>
+            </a:r>
+            <a:r>
+              <a:rPr lang="en-US" dirty="0" smtClean="0">
+                <a:solidFill>
+                  <a:schemeClr val="accent1">
+                    <a:lumMod val="60000"/>
+                    <a:lumOff val="40000"/>
+                  </a:schemeClr>
+                </a:solidFill>
+              </a:rPr>
+              <a:t>, </a:t>
+            </a:r>
+            <a:r>
+              <a:rPr lang="ru-RU" dirty="0" smtClean="0">
+                <a:solidFill>
+                  <a:schemeClr val="accent1">
+                    <a:lumMod val="60000"/>
+                    <a:lumOff val="40000"/>
+                  </a:schemeClr>
+                </a:solidFill>
+              </a:rPr>
+              <a:t>в этом методе максимальное число = 100</a:t>
+            </a:r>
+            <a:r>
+              <a:rPr lang="en-US" dirty="0" smtClean="0">
+                <a:solidFill>
+                  <a:schemeClr val="accent1">
+                    <a:lumMod val="60000"/>
+                    <a:lumOff val="40000"/>
+                  </a:schemeClr>
+                </a:solidFill>
+              </a:rPr>
+              <a:t>)&amp;</a:t>
+            </a:r>
+          </a:p>
+          <a:p>
+            <a:pPr>
+              <a:buNone/>
+            </a:pPr>
+            <a:r>
+              <a:rPr lang="en-US" dirty="0" smtClean="0">
+                <a:solidFill>
+                  <a:schemeClr val="accent1">
+                    <a:lumMod val="60000"/>
+                    <a:lumOff val="40000"/>
+                  </a:schemeClr>
+                </a:solidFill>
+              </a:rPr>
+              <a:t>offset=(</a:t>
+            </a:r>
+            <a:r>
+              <a:rPr lang="ru-RU" dirty="0" smtClean="0">
+                <a:solidFill>
+                  <a:schemeClr val="accent1">
+                    <a:lumMod val="60000"/>
+                    <a:lumOff val="40000"/>
+                  </a:schemeClr>
+                </a:solidFill>
+              </a:rPr>
+              <a:t>смещение – какой объект, от последнего, мы будем парсить</a:t>
+            </a:r>
+            <a:r>
+              <a:rPr lang="en-US" dirty="0" smtClean="0">
+                <a:solidFill>
+                  <a:schemeClr val="accent1">
+                    <a:lumMod val="60000"/>
+                    <a:lumOff val="40000"/>
+                  </a:schemeClr>
+                </a:solidFill>
+              </a:rPr>
+              <a:t>)&amp;</a:t>
+            </a:r>
+          </a:p>
+          <a:p>
+            <a:pPr>
+              <a:buNone/>
+            </a:pPr>
+            <a:r>
+              <a:rPr lang="en-US" dirty="0" smtClean="0">
+                <a:solidFill>
+                  <a:schemeClr val="accent1">
+                    <a:lumMod val="60000"/>
+                    <a:lumOff val="40000"/>
+                  </a:schemeClr>
+                </a:solidFill>
+              </a:rPr>
+              <a:t>access_token=(</a:t>
+            </a:r>
+            <a:r>
+              <a:rPr lang="ru-RU" dirty="0" smtClean="0">
+                <a:solidFill>
+                  <a:schemeClr val="accent1">
+                    <a:lumMod val="60000"/>
+                    <a:lumOff val="40000"/>
+                  </a:schemeClr>
+                </a:solidFill>
+              </a:rPr>
+              <a:t>сюда помещается наш токен</a:t>
+            </a:r>
+            <a:r>
+              <a:rPr lang="en-US" dirty="0" smtClean="0">
+                <a:solidFill>
+                  <a:schemeClr val="accent1">
+                    <a:lumMod val="60000"/>
+                    <a:lumOff val="40000"/>
+                  </a:schemeClr>
+                </a:solidFill>
+              </a:rPr>
+              <a:t>)&amp;</a:t>
+            </a:r>
+          </a:p>
+          <a:p>
+            <a:pPr>
+              <a:buNone/>
+            </a:pPr>
+            <a:r>
+              <a:rPr lang="en-US" dirty="0" smtClean="0">
+                <a:solidFill>
+                  <a:schemeClr val="accent1">
+                    <a:lumMod val="60000"/>
+                    <a:lumOff val="40000"/>
+                  </a:schemeClr>
+                </a:solidFill>
+              </a:rPr>
+              <a:t>v=(</a:t>
+            </a:r>
+            <a:r>
+              <a:rPr lang="ru-RU" dirty="0" smtClean="0">
+                <a:solidFill>
+                  <a:schemeClr val="accent1">
+                    <a:lumMod val="60000"/>
+                    <a:lumOff val="40000"/>
+                  </a:schemeClr>
+                </a:solidFill>
+              </a:rPr>
+              <a:t>версия ответа, мы будем использовать 5.126</a:t>
+            </a:r>
+            <a:r>
+              <a:rPr lang="en-US" dirty="0" smtClean="0">
+                <a:solidFill>
+                  <a:schemeClr val="accent1">
+                    <a:lumMod val="60000"/>
+                    <a:lumOff val="40000"/>
+                  </a:schemeClr>
+                </a:solidFill>
+              </a:rPr>
+              <a:t>)</a:t>
+            </a:r>
+            <a:endParaRPr lang="ru-RU" dirty="0" smtClean="0">
+              <a:solidFill>
+                <a:schemeClr val="accent1">
+                  <a:lumMod val="60000"/>
+                  <a:lumOff val="40000"/>
+                </a:schemeClr>
+              </a:solidFill>
+            </a:endParaRPr>
+          </a:p>
+          <a:p>
+            <a:pPr>
+              <a:buNone/>
+            </a:pPr>
+            <a:endParaRPr lang="ru-RU" dirty="0" smtClean="0">
+              <a:solidFill>
+                <a:schemeClr val="accent1">
+                  <a:lumMod val="60000"/>
+                  <a:lumOff val="40000"/>
+                </a:schemeClr>
+              </a:solidFill>
+            </a:endParaRPr>
+          </a:p>
+          <a:p>
+            <a:pPr>
+              <a:buNone/>
+            </a:pPr>
+            <a:r>
+              <a:rPr lang="ru-RU" dirty="0" smtClean="0">
+                <a:solidFill>
+                  <a:schemeClr val="tx1"/>
+                </a:solidFill>
+              </a:rPr>
+              <a:t>Обратите внимание</a:t>
+            </a:r>
+            <a:r>
+              <a:rPr lang="en-US" dirty="0" smtClean="0">
+                <a:solidFill>
+                  <a:schemeClr val="tx1"/>
+                </a:solidFill>
+              </a:rPr>
+              <a:t>,</a:t>
+            </a:r>
+            <a:r>
+              <a:rPr lang="ru-RU" dirty="0" smtClean="0">
+                <a:solidFill>
+                  <a:schemeClr val="tx1"/>
+                </a:solidFill>
+              </a:rPr>
+              <a:t> что между параметрами пишется знак</a:t>
+            </a:r>
+            <a:r>
+              <a:rPr lang="en-US" dirty="0" smtClean="0">
+                <a:solidFill>
+                  <a:schemeClr val="tx1"/>
+                </a:solidFill>
+              </a:rPr>
+              <a:t> -</a:t>
+            </a:r>
+            <a:r>
+              <a:rPr lang="ru-RU" dirty="0" smtClean="0">
+                <a:solidFill>
+                  <a:schemeClr val="tx1"/>
+                </a:solidFill>
+              </a:rPr>
               <a:t> </a:t>
             </a:r>
             <a:r>
-              <a:rPr lang="ru-RU" dirty="0" smtClean="0"/>
-              <a:t>все из модуля </a:t>
-            </a:r>
-            <a:r>
-              <a:rPr lang="en-US" dirty="0" smtClean="0"/>
-              <a:t>support</a:t>
-            </a:r>
-            <a:r>
-              <a:rPr lang="ru-RU" dirty="0" smtClean="0"/>
-              <a:t>,</a:t>
-            </a:r>
-            <a:r>
-              <a:rPr lang="en-US" dirty="0" smtClean="0"/>
-              <a:t> </a:t>
-            </a:r>
-            <a:r>
-              <a:rPr lang="ru-RU" dirty="0" smtClean="0"/>
-              <a:t>и бота</a:t>
+              <a:rPr lang="en-US" dirty="0" smtClean="0">
+                <a:solidFill>
+                  <a:schemeClr val="accent1">
+                    <a:lumMod val="60000"/>
+                    <a:lumOff val="40000"/>
+                  </a:schemeClr>
+                </a:solidFill>
+              </a:rPr>
+              <a:t>&amp;</a:t>
             </a:r>
           </a:p>
           <a:p>
             <a:pPr>
-              <a:buFont typeface="Wingdings"/>
-              <a:buChar char="Ø"/>
+              <a:buNone/>
             </a:pPr>
-            <a:r>
-              <a:rPr lang="ru-RU" dirty="0" smtClean="0"/>
-              <a:t>Создайте переменную с путем до вашего токена</a:t>
-            </a:r>
-          </a:p>
-          <a:p>
-            <a:pPr>
-              <a:buFont typeface="Wingdings"/>
-              <a:buChar char="Ø"/>
-            </a:pPr>
-            <a:r>
-              <a:rPr lang="ru-RU" dirty="0" smtClean="0"/>
-              <a:t>Создайте переменную хранящую сам токен (он должен прочитываться из файла, а не прописываться вручную)</a:t>
-            </a:r>
-          </a:p>
-          <a:p>
-            <a:pPr>
-              <a:buFont typeface="Wingdings"/>
-              <a:buChar char="Ø"/>
-            </a:pPr>
-            <a:r>
-              <a:rPr lang="ru-RU" dirty="0" smtClean="0"/>
-              <a:t>Создайте переменную хранящую </a:t>
-            </a:r>
-            <a:r>
-              <a:rPr lang="en-US" dirty="0" smtClean="0"/>
-              <a:t>id </a:t>
-            </a:r>
-            <a:r>
-              <a:rPr lang="ru-RU" dirty="0" smtClean="0"/>
-              <a:t>странички имеющей открытую стену (например </a:t>
-            </a:r>
-            <a:r>
-              <a:rPr lang="en-US" dirty="0" smtClean="0"/>
-              <a:t>id </a:t>
-            </a:r>
-            <a:r>
-              <a:rPr lang="ru-RU" dirty="0" smtClean="0"/>
-              <a:t>группы корунда)</a:t>
-            </a:r>
+            <a:endParaRPr lang="ru-RU" dirty="0"/>
           </a:p>
         </p:txBody>
       </p:sp>
@@ -7611,7 +7392,7 @@
           <a:p>
             <a:r>
               <a:rPr lang="ru-RU" dirty="0" smtClean="0"/>
-              <a:t>Задание – часть 2</a:t>
+              <a:t>Задание - часть 1</a:t>
             </a:r>
             <a:endParaRPr lang="ru-RU" dirty="0"/>
           </a:p>
@@ -7627,7 +7408,12 @@
             <p:ph idx="1"/>
           </p:nvPr>
         </p:nvSpPr>
-        <p:spPr/>
+        <p:spPr>
+          <a:xfrm>
+            <a:off x="677334" y="2160589"/>
+            <a:ext cx="8596668" cy="2973271"/>
+          </a:xfrm>
+        </p:spPr>
         <p:txBody>
           <a:bodyPr/>
           <a:lstStyle/>
@@ -7638,23 +7424,11 @@
             </a:pPr>
             <a:r>
               <a:rPr lang="ru-RU" dirty="0" smtClean="0"/>
-              <a:t>В классе </a:t>
+              <a:t>Создайте модуль </a:t>
             </a:r>
             <a:r>
               <a:rPr lang="en-US" dirty="0" smtClean="0"/>
-              <a:t>Bot </a:t>
-            </a:r>
-            <a:r>
-              <a:rPr lang="ru-RU" dirty="0" smtClean="0"/>
-              <a:t>создайте метод позволяющий классу принимать </a:t>
-            </a:r>
-            <a:r>
-              <a:rPr lang="en-US" dirty="0" smtClean="0"/>
-              <a:t>id </a:t>
-            </a:r>
-            <a:r>
-              <a:rPr lang="ru-RU" dirty="0" smtClean="0"/>
-              <a:t>странички и токен через аргумент</a:t>
+              <a:t>main.py</a:t>
             </a:r>
           </a:p>
           <a:p>
@@ -7664,27 +7438,31 @@
             </a:pPr>
             <a:r>
               <a:rPr lang="ru-RU" dirty="0" smtClean="0"/>
-              <a:t>В</a:t>
-            </a:r>
-            <a:r>
-              <a:rPr lang="ru-RU" dirty="0" smtClean="0"/>
-              <a:t> методе </a:t>
+              <a:t>В него импортируйте:</a:t>
             </a:r>
             <a:r>
               <a:rPr lang="en-US" dirty="0" smtClean="0"/>
-              <a:t>create_url </a:t>
-            </a:r>
-            <a:r>
-              <a:rPr lang="ru-RU" dirty="0" smtClean="0"/>
-              <a:t>создайте переменную с настройками метода </a:t>
+              <a:t> </a:t>
+            </a:r>
+            <a:r>
+              <a:rPr lang="ru-RU" dirty="0" smtClean="0"/>
+              <a:t>все из модуля </a:t>
             </a:r>
             <a:r>
               <a:rPr lang="en-US" dirty="0" smtClean="0"/>
-              <a:t>API</a:t>
-            </a:r>
-            <a:r>
-              <a:rPr lang="ru-RU" dirty="0" smtClean="0"/>
-              <a:t> для сбора данных со странички</a:t>
+              <a:t>support</a:t>
+            </a:r>
+            <a:r>
+              <a:rPr lang="ru-RU" dirty="0" smtClean="0"/>
+              <a:t>,</a:t>
+            </a:r>
+            <a:r>
+              <a:rPr lang="en-US" dirty="0" smtClean="0"/>
+              <a:t> </a:t>
+            </a:r>
+            <a:r>
+              <a:rPr lang="ru-RU" dirty="0" smtClean="0"/>
+              <a:t>и бота</a:t>
             </a:r>
           </a:p>
           <a:p>
@@ -7694,15 +7472,7 @@
             </a:pPr>
             <a:r>
               <a:rPr lang="ru-RU" dirty="0" smtClean="0"/>
-              <a:t>Сделайте так, что бы </a:t>
-            </a:r>
-            <a:r>
-              <a:rPr lang="en-US" dirty="0" smtClean="0"/>
-              <a:t>create_url</a:t>
-            </a:r>
-            <a:r>
-              <a:rPr lang="ru-RU" dirty="0" smtClean="0"/>
-              <a:t> возвращал полную ссылку конкатенированную из раннее созданных переменных</a:t>
+              <a:t>Создайте переменную с путем до вашего токена</a:t>
             </a:r>
           </a:p>
           <a:p>
@@ -7712,19 +7482,7 @@
             </a:pPr>
             <a:r>
               <a:rPr lang="ru-RU" dirty="0" smtClean="0"/>
-              <a:t>В главном модуле </a:t>
-            </a:r>
-            <a:r>
-              <a:rPr lang="en-US" dirty="0" smtClean="0"/>
-              <a:t>main</a:t>
-            </a:r>
-            <a:r>
-              <a:rPr lang="ru-RU" dirty="0" smtClean="0"/>
-              <a:t> </a:t>
-            </a:r>
-            <a:r>
-              <a:rPr lang="ru-RU" dirty="0" smtClean="0"/>
-              <a:t>создайте бота</a:t>
+              <a:t>Создайте переменную хранящую сам токен (он должен прочитываться из файла, а не прописываться вручную)</a:t>
             </a:r>
           </a:p>
           <a:p>
@@ -7734,6 +7492,197 @@
             </a:pPr>
             <a:r>
               <a:rPr lang="ru-RU" dirty="0" smtClean="0"/>
+              <a:t>Создайте переменную хранящую </a:t>
+            </a:r>
+            <a:r>
+              <a:rPr lang="en-US" dirty="0" smtClean="0"/>
+              <a:t>id </a:t>
+            </a:r>
+            <a:r>
+              <a:rPr lang="ru-RU" dirty="0" smtClean="0"/>
+              <a:t>странички имеющей открытую стену (например </a:t>
+            </a:r>
+            <a:r>
+              <a:rPr lang="en-US" dirty="0" smtClean="0"/>
+              <a:t>id </a:t>
+            </a:r>
+            <a:r>
+              <a:rPr lang="ru-RU" dirty="0" smtClean="0"/>
+              <a:t>группы </a:t>
+            </a:r>
+            <a:r>
+              <a:rPr lang="ru-RU" dirty="0" smtClean="0"/>
+              <a:t>корунда - </a:t>
+            </a:r>
+            <a:r>
+              <a:rPr lang="ru-RU" dirty="0" smtClean="0"/>
+              <a:t>44273004</a:t>
+            </a:r>
+            <a:r>
+              <a:rPr lang="ru-RU" dirty="0" smtClean="0"/>
+              <a:t>)</a:t>
+            </a:r>
+            <a:endParaRPr lang="ru-RU" dirty="0" smtClean="0"/>
+          </a:p>
+        </p:txBody>
+      </p:sp>
+    </p:spTree>
+  </p:cSld>
+  <p:clrMapOvr>
+    <a:masterClrMapping/>
+  </p:clrMapOvr>
+</p:sld>
+</file>
+
+<file path=ppt/slides/slide18.xml><?xml version="1.0" encoding="utf-8"?>
+<p:sld xmlns:a="http://schemas.openxmlformats.org/drawingml/2006/main" xmlns:r="http://schemas.openxmlformats.org/officeDocument/2006/relationships" xmlns:p="http://schemas.openxmlformats.org/presentationml/2006/main">
+  <p:cSld>
+    <p:spTree>
+      <p:nvGrpSpPr>
+        <p:cNvPr id="1" name=""/>
+        <p:cNvGrpSpPr/>
+        <p:nvPr/>
+      </p:nvGrpSpPr>
+      <p:grpSpPr>
+        <a:xfrm>
+          <a:off x="0" y="0"/>
+          <a:ext cx="0" cy="0"/>
+          <a:chOff x="0" y="0"/>
+          <a:chExt cx="0" cy="0"/>
+        </a:xfrm>
+      </p:grpSpPr>
+      <p:sp>
+        <p:nvSpPr>
+          <p:cNvPr id="2" name="Заголовок 1"/>
+          <p:cNvSpPr>
+            <a:spLocks noGrp="1"/>
+          </p:cNvSpPr>
+          <p:nvPr>
+            <p:ph type="title"/>
+          </p:nvPr>
+        </p:nvSpPr>
+        <p:spPr/>
+        <p:txBody>
+          <a:bodyPr/>
+          <a:lstStyle/>
+          <a:p>
+            <a:r>
+              <a:rPr lang="ru-RU" dirty="0" smtClean="0"/>
+              <a:t>Задание – часть 2</a:t>
+            </a:r>
+            <a:endParaRPr lang="ru-RU" dirty="0"/>
+          </a:p>
+        </p:txBody>
+      </p:sp>
+      <p:sp>
+        <p:nvSpPr>
+          <p:cNvPr id="3" name="Содержимое 2"/>
+          <p:cNvSpPr>
+            <a:spLocks noGrp="1"/>
+          </p:cNvSpPr>
+          <p:nvPr>
+            <p:ph idx="1"/>
+          </p:nvPr>
+        </p:nvSpPr>
+        <p:spPr/>
+        <p:txBody>
+          <a:bodyPr/>
+          <a:lstStyle/>
+          <a:p>
+            <a:pPr>
+              <a:buFont typeface="Wingdings"/>
+              <a:buChar char="Ø"/>
+            </a:pPr>
+            <a:r>
+              <a:rPr lang="ru-RU" dirty="0" smtClean="0"/>
+              <a:t>В классе </a:t>
+            </a:r>
+            <a:r>
+              <a:rPr lang="en-US" dirty="0" smtClean="0"/>
+              <a:t>Bot </a:t>
+            </a:r>
+            <a:r>
+              <a:rPr lang="ru-RU" dirty="0" smtClean="0"/>
+              <a:t>создайте метод позволяющий классу принимать </a:t>
+            </a:r>
+            <a:r>
+              <a:rPr lang="en-US" dirty="0" smtClean="0"/>
+              <a:t>id </a:t>
+            </a:r>
+            <a:r>
+              <a:rPr lang="ru-RU" dirty="0" smtClean="0"/>
+              <a:t>странички и токен через аргумент</a:t>
+            </a:r>
+          </a:p>
+          <a:p>
+            <a:pPr>
+              <a:buFont typeface="Wingdings"/>
+              <a:buChar char="Ø"/>
+            </a:pPr>
+            <a:r>
+              <a:rPr lang="ru-RU" dirty="0" smtClean="0"/>
+              <a:t>В методе </a:t>
+            </a:r>
+            <a:r>
+              <a:rPr lang="en-US" dirty="0" smtClean="0"/>
+              <a:t>create_url </a:t>
+            </a:r>
+            <a:r>
+              <a:rPr lang="ru-RU" dirty="0" smtClean="0"/>
+              <a:t>создайте переменную с настройками метода </a:t>
+            </a:r>
+            <a:r>
+              <a:rPr lang="en-US" dirty="0" smtClean="0"/>
+              <a:t>API</a:t>
+            </a:r>
+            <a:r>
+              <a:rPr lang="ru-RU" dirty="0" smtClean="0"/>
+              <a:t> для сбора данных со странички</a:t>
+            </a:r>
+          </a:p>
+          <a:p>
+            <a:pPr>
+              <a:buFont typeface="Wingdings"/>
+              <a:buChar char="Ø"/>
+            </a:pPr>
+            <a:r>
+              <a:rPr lang="ru-RU" dirty="0" smtClean="0"/>
+              <a:t>Сделайте так, что бы </a:t>
+            </a:r>
+            <a:r>
+              <a:rPr lang="en-US" dirty="0" smtClean="0"/>
+              <a:t>create_url</a:t>
+            </a:r>
+            <a:r>
+              <a:rPr lang="ru-RU" dirty="0" smtClean="0"/>
+              <a:t> возвращал полную ссылку конкатенированную из раннее созданных переменных</a:t>
+            </a:r>
+          </a:p>
+          <a:p>
+            <a:pPr>
+              <a:buFont typeface="Wingdings"/>
+              <a:buChar char="Ø"/>
+            </a:pPr>
+            <a:r>
+              <a:rPr lang="ru-RU" dirty="0" smtClean="0"/>
+              <a:t>В главном модуле </a:t>
+            </a:r>
+            <a:r>
+              <a:rPr lang="en-US" dirty="0" smtClean="0"/>
+              <a:t>main</a:t>
+            </a:r>
+            <a:r>
+              <a:rPr lang="ru-RU" dirty="0" smtClean="0"/>
+              <a:t> создайте бота</a:t>
+            </a:r>
+          </a:p>
+          <a:p>
+            <a:pPr>
+              <a:buFont typeface="Wingdings"/>
+              <a:buChar char="Ø"/>
+            </a:pPr>
+            <a:r>
+              <a:rPr lang="ru-RU" dirty="0" smtClean="0"/>
               <a:t>И вызовите его метод создающий </a:t>
             </a:r>
             <a:r>
@@ -7741,6 +7690,69 @@
               <a:t>полную ссылку (проверьте её)</a:t>
             </a:r>
             <a:endParaRPr lang="ru-RU" dirty="0" smtClean="0"/>
+          </a:p>
+        </p:txBody>
+      </p:sp>
+    </p:spTree>
+  </p:cSld>
+  <p:clrMapOvr>
+    <a:masterClrMapping/>
+  </p:clrMapOvr>
+</p:sld>
+</file>
+
+<file path=ppt/slides/slide19.xml><?xml version="1.0" encoding="utf-8"?>
+<p:sld xmlns:a="http://schemas.openxmlformats.org/drawingml/2006/main" xmlns:r="http://schemas.openxmlformats.org/officeDocument/2006/relationships" xmlns:p="http://schemas.openxmlformats.org/presentationml/2006/main">
+  <p:cSld>
+    <p:spTree>
+      <p:nvGrpSpPr>
+        <p:cNvPr id="1" name=""/>
+        <p:cNvGrpSpPr/>
+        <p:nvPr/>
+      </p:nvGrpSpPr>
+      <p:grpSpPr>
+        <a:xfrm>
+          <a:off x="0" y="0"/>
+          <a:ext cx="0" cy="0"/>
+          <a:chOff x="0" y="0"/>
+          <a:chExt cx="0" cy="0"/>
+        </a:xfrm>
+      </p:grpSpPr>
+      <p:sp>
+        <p:nvSpPr>
+          <p:cNvPr id="2" name="Заголовок 1"/>
+          <p:cNvSpPr>
+            <a:spLocks noGrp="1"/>
+          </p:cNvSpPr>
+          <p:nvPr>
+            <p:ph type="title"/>
+          </p:nvPr>
+        </p:nvSpPr>
+        <p:spPr/>
+        <p:txBody>
+          <a:bodyPr/>
+          <a:lstStyle/>
+          <a:p>
+            <a:endParaRPr lang="ru-RU" dirty="0"/>
+          </a:p>
+        </p:txBody>
+      </p:sp>
+      <p:sp>
+        <p:nvSpPr>
+          <p:cNvPr id="3" name="Содержимое 2"/>
+          <p:cNvSpPr>
+            <a:spLocks noGrp="1"/>
+          </p:cNvSpPr>
+          <p:nvPr>
+            <p:ph idx="1"/>
+          </p:nvPr>
+        </p:nvSpPr>
+        <p:spPr/>
+        <p:txBody>
+          <a:bodyPr/>
+          <a:lstStyle/>
+          <a:p>
+            <a:endParaRPr lang="ru-RU"/>
           </a:p>
         </p:txBody>
       </p:sp>
@@ -7786,7 +7798,7 @@
           <a:p>
             <a:r>
               <a:rPr lang="ru-RU" dirty="0" smtClean="0"/>
-              <a:t>Курсовой проект – бот для соц. сети</a:t>
+              <a:t>План</a:t>
             </a:r>
             <a:endParaRPr lang="ru-RU" dirty="0"/>
           </a:p>
@@ -7807,13 +7819,39 @@
           <a:bodyPr/>
           <a:lstStyle/>
           <a:p>
-            <a:pPr marL="0">
-              <a:buNone/>
-            </a:pPr>
-            <a:r>
-              <a:rPr lang="ru-RU" dirty="0" smtClean="0"/>
-              <a:t>Бот – программа-робот автоматически выполняющая действия, чаще используются в интернет среде. </a:t>
-            </a:r>
+            <a:r>
+              <a:rPr lang="ru-RU" dirty="0" smtClean="0"/>
+              <a:t>Введение в курсовой проект</a:t>
+            </a:r>
+          </a:p>
+          <a:p>
+            <a:r>
+              <a:rPr lang="en-US" dirty="0" smtClean="0"/>
+              <a:t>Open</a:t>
+            </a:r>
+          </a:p>
+          <a:p>
+            <a:r>
+              <a:rPr lang="ru-RU" dirty="0" smtClean="0"/>
+              <a:t>Парсер</a:t>
+            </a:r>
+            <a:endParaRPr lang="en-US" dirty="0" smtClean="0"/>
+          </a:p>
+          <a:p>
+            <a:r>
+              <a:rPr lang="ru-RU" dirty="0" smtClean="0"/>
+              <a:t>Обращение к </a:t>
+            </a:r>
+            <a:r>
+              <a:rPr lang="en-US" smtClean="0"/>
+              <a:t>API</a:t>
+            </a:r>
+            <a:endParaRPr lang="ru-RU" dirty="0" smtClean="0"/>
+          </a:p>
+          <a:p>
+            <a:endParaRPr lang="ru-RU" dirty="0" smtClean="0"/>
+          </a:p>
+          <a:p>
             <a:endParaRPr lang="ru-RU" dirty="0"/>
           </a:p>
         </p:txBody>
@@ -7860,7 +7898,7 @@
           <a:p>
             <a:r>
               <a:rPr lang="ru-RU" dirty="0" smtClean="0"/>
-              <a:t>Работа с файлами</a:t>
+              <a:t>Курсовой проект – бот для соц. сети</a:t>
             </a:r>
             <a:endParaRPr lang="ru-RU" dirty="0"/>
           </a:p>
@@ -7886,30 +7924,7 @@
             </a:pPr>
             <a:r>
               <a:rPr lang="ru-RU" dirty="0" smtClean="0"/>
-              <a:t>Для того что бы наш бот мог манипулировать объектами в социальной сети, ему нужен токен (ключ доступа) к той страницы с которой он будет выполнять запрограммированные действия.</a:t>
-            </a:r>
-          </a:p>
-          <a:p>
-            <a:pPr marL="0">
-              <a:buNone/>
-            </a:pPr>
-            <a:r>
-              <a:rPr lang="ru-RU" dirty="0" smtClean="0"/>
-              <a:t>Токен будет храниться на нашем компьютере или на внешнем носителе - в любом, по нашему мнению, безопасном месте.</a:t>
-            </a:r>
-            <a:endParaRPr lang="en-US" dirty="0" smtClean="0"/>
-          </a:p>
-          <a:p>
-            <a:pPr marL="0">
-              <a:buNone/>
-            </a:pPr>
-            <a:r>
-              <a:rPr lang="ru-RU" dirty="0" smtClean="0"/>
-              <a:t>Для чтения данных с файла, мы познакомимся в функцией </a:t>
-            </a:r>
-            <a:r>
-              <a:rPr lang="en-US" dirty="0" smtClean="0"/>
-              <a:t>open( )</a:t>
+              <a:t>Бот – программа-робот автоматически выполняющая действия, чаще используются в интернет среде. </a:t>
             </a:r>
             <a:endParaRPr lang="ru-RU" dirty="0"/>
           </a:p>
@@ -7956,189 +7971,57 @@
           <a:lstStyle/>
           <a:p>
             <a:r>
+              <a:rPr lang="ru-RU" dirty="0" smtClean="0"/>
+              <a:t>Работа с файлами</a:t>
+            </a:r>
+            <a:endParaRPr lang="ru-RU" dirty="0"/>
+          </a:p>
+        </p:txBody>
+      </p:sp>
+      <p:sp>
+        <p:nvSpPr>
+          <p:cNvPr id="3" name="Содержимое 2"/>
+          <p:cNvSpPr>
+            <a:spLocks noGrp="1"/>
+          </p:cNvSpPr>
+          <p:nvPr>
+            <p:ph idx="1"/>
+          </p:nvPr>
+        </p:nvSpPr>
+        <p:spPr/>
+        <p:txBody>
+          <a:bodyPr/>
+          <a:lstStyle/>
+          <a:p>
+            <a:pPr marL="0">
+              <a:buNone/>
+            </a:pPr>
+            <a:r>
+              <a:rPr lang="ru-RU" dirty="0" smtClean="0"/>
+              <a:t>Для того что бы наш бот мог манипулировать объектами в социальной сети, ему нужен токен (ключ доступа) к той страницы с которой он будет выполнять запрограммированные действия.</a:t>
+            </a:r>
+          </a:p>
+          <a:p>
+            <a:pPr marL="0">
+              <a:buNone/>
+            </a:pPr>
+            <a:r>
+              <a:rPr lang="ru-RU" dirty="0" smtClean="0"/>
+              <a:t>Токен будет храниться на нашем компьютере или на внешнем носителе - в любом, по нашему мнению, безопасном месте.</a:t>
+            </a:r>
+            <a:endParaRPr lang="en-US" dirty="0" smtClean="0"/>
+          </a:p>
+          <a:p>
+            <a:pPr marL="0">
+              <a:buNone/>
+            </a:pPr>
+            <a:r>
+              <a:rPr lang="ru-RU" dirty="0" smtClean="0"/>
+              <a:t>Для чтения данных с файла, мы познакомимся в функцией </a:t>
+            </a:r>
+            <a:r>
               <a:rPr lang="en-US" dirty="0" smtClean="0"/>
               <a:t>open( )</a:t>
-            </a:r>
-            <a:endParaRPr lang="ru-RU" dirty="0"/>
-          </a:p>
-        </p:txBody>
-      </p:sp>
-      <p:sp>
-        <p:nvSpPr>
-          <p:cNvPr id="3" name="Содержимое 2"/>
-          <p:cNvSpPr>
-            <a:spLocks noGrp="1"/>
-          </p:cNvSpPr>
-          <p:nvPr>
-            <p:ph idx="1"/>
-          </p:nvPr>
-        </p:nvSpPr>
-        <p:spPr/>
-        <p:txBody>
-          <a:bodyPr/>
-          <a:lstStyle/>
-          <a:p>
-            <a:pPr>
-              <a:buNone/>
-            </a:pPr>
-            <a:r>
-              <a:rPr lang="ru-RU" dirty="0" smtClean="0"/>
-              <a:t>Позволяет читать записывать или до записывать текст в файл.</a:t>
-            </a:r>
-          </a:p>
-          <a:p>
-            <a:pPr>
-              <a:buNone/>
-            </a:pPr>
-            <a:endParaRPr lang="ru-RU" dirty="0" smtClean="0"/>
-          </a:p>
-          <a:p>
-            <a:pPr>
-              <a:buNone/>
-            </a:pPr>
-            <a:r>
-              <a:rPr lang="en-US" b="1" dirty="0" smtClean="0">
-                <a:solidFill>
-                  <a:schemeClr val="tx1"/>
-                </a:solidFill>
-              </a:rPr>
-              <a:t>open(path, mode, encoding)</a:t>
-            </a:r>
-          </a:p>
-          <a:p>
-            <a:pPr>
-              <a:buFont typeface="Wingdings"/>
-              <a:buChar char="Ø"/>
-            </a:pPr>
-            <a:r>
-              <a:rPr lang="en-US" dirty="0" smtClean="0"/>
-              <a:t>path = </a:t>
-            </a:r>
-            <a:r>
-              <a:rPr lang="ru-RU" dirty="0" smtClean="0"/>
-              <a:t>путь до файла</a:t>
-            </a:r>
-            <a:endParaRPr lang="en-US" dirty="0" smtClean="0"/>
-          </a:p>
-          <a:p>
-            <a:pPr>
-              <a:buFont typeface="Wingdings"/>
-              <a:buChar char="Ø"/>
-            </a:pPr>
-            <a:r>
-              <a:rPr lang="en-US" dirty="0" smtClean="0"/>
-              <a:t>mode = </a:t>
-            </a:r>
-            <a:r>
-              <a:rPr lang="ru-RU" dirty="0" smtClean="0"/>
-              <a:t>действие (</a:t>
-            </a:r>
-            <a:r>
-              <a:rPr lang="en-US" dirty="0" smtClean="0"/>
-              <a:t>r</a:t>
-            </a:r>
-            <a:r>
-              <a:rPr lang="ru-RU" dirty="0" smtClean="0"/>
-              <a:t> </a:t>
-            </a:r>
-            <a:r>
-              <a:rPr lang="en-US" dirty="0" smtClean="0"/>
-              <a:t>-</a:t>
-            </a:r>
-            <a:r>
-              <a:rPr lang="ru-RU" dirty="0" smtClean="0"/>
-              <a:t> чтение, </a:t>
-            </a:r>
-            <a:r>
-              <a:rPr lang="en-US" dirty="0" smtClean="0"/>
-              <a:t>w</a:t>
-            </a:r>
-            <a:r>
-              <a:rPr lang="ru-RU" dirty="0" smtClean="0"/>
-              <a:t> </a:t>
-            </a:r>
-            <a:r>
-              <a:rPr lang="en-US" dirty="0" smtClean="0"/>
-              <a:t>– </a:t>
-            </a:r>
-            <a:r>
-              <a:rPr lang="ru-RU" dirty="0" smtClean="0"/>
-              <a:t>запись, </a:t>
-            </a:r>
-            <a:r>
-              <a:rPr lang="en-US" dirty="0" smtClean="0"/>
-              <a:t>a – </a:t>
-            </a:r>
-            <a:r>
-              <a:rPr lang="ru-RU" dirty="0" smtClean="0"/>
-              <a:t>до</a:t>
-            </a:r>
-            <a:r>
-              <a:rPr lang="en-US" dirty="0" smtClean="0"/>
-              <a:t> </a:t>
-            </a:r>
-            <a:r>
-              <a:rPr lang="ru-RU" dirty="0" smtClean="0"/>
-              <a:t>запись)</a:t>
-            </a:r>
-            <a:endParaRPr lang="en-US" dirty="0" smtClean="0"/>
-          </a:p>
-          <a:p>
-            <a:pPr>
-              <a:buFont typeface="Wingdings"/>
-              <a:buChar char="Ø"/>
-            </a:pPr>
-            <a:r>
-              <a:rPr lang="en-US" dirty="0" smtClean="0"/>
-              <a:t>encoding = </a:t>
-            </a:r>
-            <a:r>
-              <a:rPr lang="ru-RU" dirty="0" smtClean="0"/>
-              <a:t>тип байтовой кодировки (наиболее часто в </a:t>
-            </a:r>
-            <a:r>
-              <a:rPr lang="en-US" dirty="0" smtClean="0"/>
-              <a:t>python </a:t>
-            </a:r>
-            <a:r>
-              <a:rPr lang="ru-RU" dirty="0" smtClean="0"/>
-              <a:t>встречается </a:t>
-            </a:r>
-            <a:r>
-              <a:rPr lang="en-US" dirty="0" smtClean="0"/>
-              <a:t>utf-8</a:t>
-            </a:r>
-            <a:r>
-              <a:rPr lang="ru-RU" dirty="0" smtClean="0"/>
-              <a:t>)</a:t>
-            </a:r>
-            <a:endParaRPr lang="en-US" dirty="0" smtClean="0"/>
-          </a:p>
-          <a:p>
-            <a:pPr>
-              <a:buFont typeface="Wingdings"/>
-              <a:buChar char="Ø"/>
-            </a:pPr>
-            <a:endParaRPr lang="en-US" dirty="0" smtClean="0"/>
-          </a:p>
-          <a:p>
-            <a:pPr>
-              <a:buFont typeface="Wingdings"/>
-              <a:buChar char="Ø"/>
-            </a:pPr>
-            <a:endParaRPr lang="en-US" dirty="0" smtClean="0"/>
-          </a:p>
-          <a:p>
-            <a:pPr>
-              <a:buNone/>
-            </a:pPr>
-            <a:r>
-              <a:rPr lang="ru-RU" dirty="0" smtClean="0"/>
-              <a:t>Другие аргументы можно просмотреть в документации </a:t>
-            </a:r>
-            <a:r>
-              <a:rPr lang="en-US" dirty="0" smtClean="0"/>
-              <a:t>ctrl + mouse 1</a:t>
             </a:r>
             <a:endParaRPr lang="ru-RU" dirty="0"/>
           </a:p>
@@ -8186,7 +8069,7 @@
           <a:p>
             <a:r>
               <a:rPr lang="en-US" dirty="0" smtClean="0"/>
-              <a:t>write( )</a:t>
+              <a:t>open( )</a:t>
             </a:r>
             <a:endParaRPr lang="ru-RU" dirty="0"/>
           </a:p>
@@ -8206,33 +8089,47 @@
         <p:txBody>
           <a:bodyPr/>
           <a:lstStyle/>
+          <a:p>
+            <a:pPr>
+              <a:buNone/>
+            </a:pPr>
+            <a:r>
+              <a:rPr lang="ru-RU" dirty="0" smtClean="0"/>
+              <a:t>Позволяет читать записывать или до записывать текст в файл.</a:t>
+            </a:r>
+          </a:p>
+          <a:p>
+            <a:pPr>
+              <a:buNone/>
+            </a:pPr>
+            <a:endParaRPr lang="ru-RU" dirty="0" smtClean="0"/>
+          </a:p>
+          <a:p>
+            <a:pPr>
+              <a:buNone/>
+            </a:pPr>
+            <a:r>
+              <a:rPr lang="en-US" b="1" dirty="0" smtClean="0">
+                <a:solidFill>
+                  <a:schemeClr val="tx1"/>
+                </a:solidFill>
+              </a:rPr>
+              <a:t>open(path, mode, encoding)</a:t>
+            </a:r>
+          </a:p>
           <a:p>
             <a:pPr>
               <a:buFont typeface="Wingdings"/>
               <a:buChar char="Ø"/>
             </a:pPr>
             <a:r>
-              <a:rPr lang="ru-RU" dirty="0" smtClean="0"/>
-              <a:t>Создаем переменную через </a:t>
-            </a:r>
-            <a:r>
               <a:rPr lang="en-US" dirty="0" smtClean="0"/>
-              <a:t>open( )</a:t>
-            </a:r>
-          </a:p>
-          <a:p>
-            <a:pPr>
-              <a:buNone/>
-            </a:pPr>
-            <a:r>
-              <a:rPr lang="en-US" dirty="0" smtClean="0"/>
-              <a:t>f = open( ‘test.txt’, ‘w’, encoding=‘utf-8’ )</a:t>
-            </a:r>
-          </a:p>
-          <a:p>
-            <a:pPr>
-              <a:buNone/>
-            </a:pPr>
+              <a:t>path = </a:t>
+            </a:r>
+            <a:r>
+              <a:rPr lang="ru-RU" dirty="0" smtClean="0"/>
+              <a:t>путь до файла</a:t>
+            </a:r>
             <a:endParaRPr lang="en-US" dirty="0" smtClean="0"/>
           </a:p>
           <a:p>
@@ -8241,25 +8138,119 @@
               <a:buChar char="Ø"/>
             </a:pPr>
             <a:r>
-              <a:rPr lang="ru-RU" dirty="0" smtClean="0"/>
-              <a:t>Теперь у переменной появляется метод </a:t>
-            </a:r>
-            <a:r>
               <a:rPr lang="en-US" dirty="0" smtClean="0"/>
-              <a:t>write( )</a:t>
-            </a:r>
-            <a:r>
-              <a:rPr lang="ru-RU" dirty="0" smtClean="0"/>
-              <a:t>, в аргумент которой мы можем записать текст</a:t>
-            </a:r>
+              <a:t>mode = </a:t>
+            </a:r>
+            <a:r>
+              <a:rPr lang="ru-RU" dirty="0" smtClean="0"/>
+              <a:t>действие (</a:t>
+            </a:r>
+            <a:r>
+              <a:rPr lang="en-US" dirty="0" smtClean="0"/>
+              <a:t>r</a:t>
+            </a:r>
+            <a:r>
+              <a:rPr lang="ru-RU" dirty="0" smtClean="0"/>
+              <a:t> </a:t>
+            </a:r>
+            <a:r>
+              <a:rPr lang="en-US" dirty="0" smtClean="0"/>
+              <a:t>-</a:t>
+            </a:r>
+            <a:r>
+              <a:rPr lang="ru-RU" dirty="0" smtClean="0"/>
+              <a:t> чтение, </a:t>
+            </a:r>
+            <a:r>
+              <a:rPr lang="en-US" dirty="0" smtClean="0"/>
+              <a:t>w</a:t>
+            </a:r>
+            <a:r>
+              <a:rPr lang="ru-RU" dirty="0" smtClean="0"/>
+              <a:t> </a:t>
+            </a:r>
+            <a:r>
+              <a:rPr lang="en-US" dirty="0" smtClean="0"/>
+              <a:t>– </a:t>
+            </a:r>
+            <a:r>
+              <a:rPr lang="ru-RU" dirty="0" smtClean="0"/>
+              <a:t>запись, </a:t>
+            </a:r>
+            <a:r>
+              <a:rPr lang="en-US" dirty="0" smtClean="0"/>
+              <a:t>a – </a:t>
+            </a:r>
+            <a:r>
+              <a:rPr lang="ru-RU" dirty="0" smtClean="0"/>
+              <a:t>до</a:t>
+            </a:r>
+            <a:r>
+              <a:rPr lang="en-US" dirty="0" smtClean="0"/>
+              <a:t> </a:t>
+            </a:r>
+            <a:r>
+              <a:rPr lang="ru-RU" dirty="0" smtClean="0"/>
+              <a:t>запись)</a:t>
+            </a:r>
+            <a:endParaRPr lang="en-US" dirty="0" smtClean="0"/>
           </a:p>
           <a:p>
             <a:pPr>
-              <a:buNone/>
+              <a:buFont typeface="Wingdings"/>
+              <a:buChar char="Ø"/>
             </a:pPr>
             <a:r>
               <a:rPr lang="en-US" dirty="0" smtClean="0"/>
-              <a:t>f.write( ‘hello’ )</a:t>
+              <a:t>encoding = </a:t>
+            </a:r>
+            <a:r>
+              <a:rPr lang="ru-RU" dirty="0" smtClean="0"/>
+              <a:t>тип байтовой кодировки (наиболее часто в </a:t>
+            </a:r>
+            <a:r>
+              <a:rPr lang="en-US" dirty="0" smtClean="0"/>
+              <a:t>python </a:t>
+            </a:r>
+            <a:r>
+              <a:rPr lang="ru-RU" dirty="0" smtClean="0"/>
+              <a:t>встречается </a:t>
+            </a:r>
+            <a:r>
+              <a:rPr lang="en-US" dirty="0" smtClean="0"/>
+              <a:t>utf-8</a:t>
+            </a:r>
+            <a:r>
+              <a:rPr lang="ru-RU" dirty="0" smtClean="0"/>
+              <a:t>)</a:t>
+            </a:r>
+            <a:endParaRPr lang="en-US" dirty="0" smtClean="0"/>
+          </a:p>
+          <a:p>
+            <a:pPr>
+              <a:buFont typeface="Wingdings"/>
+              <a:buChar char="Ø"/>
+            </a:pPr>
+            <a:endParaRPr lang="en-US" dirty="0" smtClean="0"/>
+          </a:p>
+          <a:p>
+            <a:pPr>
+              <a:buFont typeface="Wingdings"/>
+              <a:buChar char="Ø"/>
+            </a:pPr>
+            <a:endParaRPr lang="en-US" dirty="0" smtClean="0"/>
+          </a:p>
+          <a:p>
+            <a:pPr>
+              <a:buNone/>
+            </a:pPr>
+            <a:r>
+              <a:rPr lang="ru-RU" dirty="0" smtClean="0"/>
+              <a:t>Другие аргументы можно просмотреть в документации </a:t>
+            </a:r>
+            <a:r>
+              <a:rPr lang="en-US" dirty="0" smtClean="0"/>
+              <a:t>ctrl + mouse 1</a:t>
             </a:r>
             <a:endParaRPr lang="ru-RU" dirty="0"/>
           </a:p>
@@ -8307,7 +8298,7 @@
           <a:p>
             <a:r>
               <a:rPr lang="en-US" dirty="0" smtClean="0"/>
-              <a:t>read( )</a:t>
+              <a:t>write( )</a:t>
             </a:r>
             <a:endParaRPr lang="ru-RU" dirty="0"/>
           </a:p>
@@ -8334,7 +8325,11 @@
             </a:pPr>
             <a:r>
               <a:rPr lang="ru-RU" dirty="0" smtClean="0"/>
-              <a:t>Так же мы можем и читать содержимое файлов</a:t>
+              <a:t>Создаем переменную через </a:t>
+            </a:r>
+            <a:r>
+              <a:rPr lang="en-US" dirty="0" smtClean="0"/>
+              <a:t>open( )</a:t>
             </a:r>
           </a:p>
           <a:p>
@@ -8343,7 +8338,7 @@
             </a:pPr>
             <a:r>
               <a:rPr lang="en-US" dirty="0" smtClean="0"/>
-              <a:t>f = open( ‘test.txt’, ‘r’, encoding=‘utf-8’ )</a:t>
+              <a:t>f = open( ‘test.txt’, ‘w’, encoding=‘utf-8’ )</a:t>
             </a:r>
           </a:p>
           <a:p>
@@ -8359,11 +8354,15 @@
             </a:pPr>
             <a:r>
               <a:rPr lang="ru-RU" dirty="0" smtClean="0"/>
-              <a:t>Теперь у переменной появился метод </a:t>
+              <a:t>Теперь у переменной появляется метод </a:t>
             </a:r>
             <a:r>
               <a:rPr lang="en-US" dirty="0" smtClean="0"/>
-              <a:t>read( )</a:t>
+              <a:t>write( )</a:t>
+            </a:r>
+            <a:r>
+              <a:rPr lang="ru-RU" dirty="0" smtClean="0"/>
+              <a:t>, в аргумент которой мы можем записать текст</a:t>
             </a:r>
           </a:p>
           <a:p>
@@ -8372,9 +8371,9 @@
             </a:pPr>
             <a:r>
               <a:rPr lang="en-US" dirty="0" smtClean="0"/>
-              <a:t>print( f.read() )</a:t>
-            </a:r>
-            <a:endParaRPr lang="ru-RU" dirty="0" smtClean="0"/>
+              <a:t>f.write( ‘hello’ )</a:t>
+            </a:r>
+            <a:endParaRPr lang="ru-RU" dirty="0"/>
           </a:p>
         </p:txBody>
       </p:sp>
@@ -8420,7 +8419,7 @@
           <a:p>
             <a:r>
               <a:rPr lang="en-US" dirty="0" smtClean="0"/>
-              <a:t>close( )</a:t>
+              <a:t>read( )</a:t>
             </a:r>
             <a:endParaRPr lang="ru-RU" dirty="0"/>
           </a:p>
@@ -8447,27 +8446,37 @@
             </a:pPr>
             <a:r>
               <a:rPr lang="ru-RU" dirty="0" smtClean="0"/>
-              <a:t>Открытые файлы не закрываются автоматически,</a:t>
-            </a:r>
+              <a:t>Так же мы можем и читать содержимое файлов</a:t>
+            </a:r>
+          </a:p>
+          <a:p>
+            <a:pPr>
+              <a:buNone/>
+            </a:pPr>
             <a:r>
               <a:rPr lang="en-US" dirty="0" smtClean="0"/>
-              <a:t> </a:t>
-            </a:r>
-            <a:r>
-              <a:rPr lang="ru-RU" dirty="0" smtClean="0"/>
-              <a:t>при этом продолжают потреблять ресурсы, поэтому будем использовать метод </a:t>
-            </a:r>
-            <a:r>
-              <a:rPr lang="en-US" dirty="0" smtClean="0"/>
-              <a:t>close( )</a:t>
-            </a:r>
+              <a:t>f = open( ‘test.txt’, ‘r’, encoding=‘utf-8’ )</a:t>
+            </a:r>
+          </a:p>
+          <a:p>
+            <a:pPr>
+              <a:buNone/>
+            </a:pPr>
+            <a:endParaRPr lang="en-US" dirty="0" smtClean="0"/>
           </a:p>
           <a:p>
             <a:pPr>
               <a:buFont typeface="Wingdings"/>
               <a:buChar char="Ø"/>
             </a:pPr>
-            <a:endParaRPr lang="en-US" dirty="0" smtClean="0"/>
+            <a:r>
+              <a:rPr lang="ru-RU" dirty="0" smtClean="0"/>
+              <a:t>Теперь у переменной появился метод </a:t>
+            </a:r>
+            <a:r>
+              <a:rPr lang="en-US" dirty="0" smtClean="0"/>
+              <a:t>read( )</a:t>
+            </a:r>
           </a:p>
           <a:p>
             <a:pPr>
@@ -8475,7 +8484,7 @@
             </a:pPr>
             <a:r>
               <a:rPr lang="en-US" dirty="0" smtClean="0"/>
-              <a:t>f.close()</a:t>
+              <a:t>print( f.read() )</a:t>
             </a:r>
             <a:endParaRPr lang="ru-RU" dirty="0" smtClean="0"/>
           </a:p>
@@ -8523,7 +8532,7 @@
           <a:p>
             <a:r>
               <a:rPr lang="en-US" dirty="0" smtClean="0"/>
-              <a:t>with</a:t>
+              <a:t>close( )</a:t>
             </a:r>
             <a:endParaRPr lang="ru-RU" dirty="0"/>
           </a:p>
@@ -8550,7 +8559,7 @@
             </a:pPr>
             <a:r>
               <a:rPr lang="ru-RU" dirty="0" smtClean="0"/>
-              <a:t>У  предыдущего метода есть недостаток.</a:t>
+              <a:t>Открытые файлы не закрываются автоматически,</a:t>
             </a:r>
             <a:r>
               <a:rPr lang="en-US" dirty="0" smtClean="0"/>
@@ -8558,7 +8567,11 @@
             </a:r>
             <a:r>
               <a:rPr lang="ru-RU" dirty="0" smtClean="0"/>
-              <a:t>Ели до закрытия файла произойдет ошибка (исключение), то файл не будет закрыт</a:t>
+              <a:t>при этом продолжают потреблять ресурсы, поэтому будем использовать метод </a:t>
+            </a:r>
+            <a:r>
+              <a:rPr lang="en-US" dirty="0" smtClean="0"/>
+              <a:t>close( )</a:t>
             </a:r>
           </a:p>
           <a:p>
@@ -8566,47 +8579,17 @@
               <a:buFont typeface="Wingdings"/>
               <a:buChar char="Ø"/>
             </a:pPr>
-            <a:r>
-              <a:rPr lang="ru-RU" dirty="0" smtClean="0"/>
-              <a:t>По этому вместо </a:t>
-            </a:r>
+            <a:endParaRPr lang="en-US" dirty="0" smtClean="0"/>
+          </a:p>
+          <a:p>
+            <a:pPr>
+              <a:buNone/>
+            </a:pPr>
             <a:r>
               <a:rPr lang="en-US" dirty="0" smtClean="0"/>
-              <a:t>close()</a:t>
-            </a:r>
-            <a:r>
-              <a:rPr lang="ru-RU" dirty="0" smtClean="0"/>
-              <a:t> будем использовать </a:t>
-            </a:r>
-            <a:r>
-              <a:rPr lang="en-US" dirty="0" smtClean="0"/>
-              <a:t>with</a:t>
-            </a:r>
-          </a:p>
-          <a:p>
-            <a:pPr>
-              <a:buNone/>
-            </a:pPr>
-            <a:endParaRPr lang="en-US" dirty="0" smtClean="0"/>
-          </a:p>
-          <a:p>
-            <a:pPr>
-              <a:buNone/>
-            </a:pPr>
-            <a:r>
-              <a:rPr lang="en-US" dirty="0" smtClean="0"/>
-              <a:t>with open( ‘test.txt’, ‘r’, encoding=‘utf-8’ ) as f:</a:t>
-            </a:r>
-          </a:p>
-          <a:p>
-            <a:pPr>
-              <a:buNone/>
-            </a:pPr>
-            <a:r>
-              <a:rPr lang="en-US" dirty="0" smtClean="0"/>
-              <a:t>	print( f.read() )</a:t>
-            </a:r>
-            <a:endParaRPr lang="ru-RU" dirty="0"/>
+              <a:t>f.close()</a:t>
+            </a:r>
+            <a:endParaRPr lang="ru-RU" dirty="0" smtClean="0"/>
           </a:p>
         </p:txBody>
       </p:sp>
@@ -8651,8 +8634,8 @@
           <a:lstStyle/>
           <a:p>
             <a:r>
-              <a:rPr lang="ru-RU" dirty="0" smtClean="0"/>
-              <a:t>Задание</a:t>
+              <a:rPr lang="en-US" dirty="0" smtClean="0"/>
+              <a:t>with</a:t>
             </a:r>
             <a:endParaRPr lang="ru-RU" dirty="0"/>
           </a:p>
@@ -8679,11 +8662,15 @@
             </a:pPr>
             <a:r>
               <a:rPr lang="ru-RU" dirty="0" smtClean="0"/>
-              <a:t>Создайте модуль </a:t>
+              <a:t>У  предыдущего метода есть недостаток.</a:t>
             </a:r>
             <a:r>
               <a:rPr lang="en-US" dirty="0" smtClean="0"/>
-              <a:t>support.py</a:t>
+              <a:t> </a:t>
+            </a:r>
+            <a:r>
+              <a:rPr lang="ru-RU" dirty="0" smtClean="0"/>
+              <a:t>Ели до закрытия файла произойдет ошибка (исключение), то файл не будет закрыт</a:t>
             </a:r>
           </a:p>
           <a:p>
@@ -8693,17 +8680,43 @@
             </a:pPr>
             <a:r>
               <a:rPr lang="ru-RU" dirty="0" smtClean="0"/>
-              <a:t>В нем создайте функцию, которая будет читать содержимое файла</a:t>
+              <a:t>По этому вместо </a:t>
+            </a:r>
+            <a:r>
+              <a:rPr lang="en-US" dirty="0" smtClean="0"/>
+              <a:t>close()</a:t>
+            </a:r>
+            <a:r>
+              <a:rPr lang="ru-RU" dirty="0" smtClean="0"/>
+              <a:t> будем использовать </a:t>
+            </a:r>
+            <a:r>
+              <a:rPr lang="en-US" dirty="0" smtClean="0"/>
+              <a:t>with</a:t>
             </a:r>
           </a:p>
           <a:p>
             <a:pPr>
-              <a:buFont typeface="Wingdings"/>
-              <a:buChar char="Ø"/>
+              <a:buNone/>
             </a:pPr>
-            <a:r>
-              <a:rPr lang="ru-RU" dirty="0" smtClean="0"/>
-              <a:t>Путь до файла нужно вводить в аргумент функции</a:t>
+            <a:endParaRPr lang="en-US" dirty="0" smtClean="0"/>
+          </a:p>
+          <a:p>
+            <a:pPr>
+              <a:buNone/>
+            </a:pPr>
+            <a:r>
+              <a:rPr lang="en-US" dirty="0" smtClean="0"/>
+              <a:t>with open( ‘test.txt’, ‘r’, encoding=‘utf-8’ ) as f:</a:t>
+            </a:r>
+          </a:p>
+          <a:p>
+            <a:pPr>
+              <a:buNone/>
+            </a:pPr>
+            <a:r>
+              <a:rPr lang="en-US" dirty="0" smtClean="0"/>
+              <a:t>	print( f.read() )</a:t>
             </a:r>
             <a:endParaRPr lang="ru-RU" dirty="0"/>
           </a:p>
@@ -8968,7 +8981,7 @@
   <a:extraClrSchemeLst/>
   <a:extLst>
     <a:ext uri="{05A4C25C-085E-4340-85A3-A5531E510DB2}">
-      <thm15:themeFamily xmlns:thm15="http://schemas.microsoft.com/office/thememl/2012/main" xmlns="" name="Facet" id="{C0C680CD-088A-49FC-A102-D699147F32B2}" vid="{8C59B386-999D-4CB6-B907-9F3997C027CC}"/>
+      <thm15:themeFamily xmlns="" xmlns:thm15="http://schemas.microsoft.com/office/thememl/2012/main" name="Facet" id="{C0C680CD-088A-49FC-A102-D699147F32B2}" vid="{8C59B386-999D-4CB6-B907-9F3997C027CC}"/>
     </a:ext>
   </a:extLst>
 </a:theme>

--- a/python/module2/presentation/урок 4 модуль 2.pptx
+++ b/python/module2/presentation/урок 4 модуль 2.pptx
@@ -23,7 +23,6 @@
     <p:sldId id="311" r:id="rId17"/>
     <p:sldId id="314" r:id="rId18"/>
     <p:sldId id="313" r:id="rId19"/>
-    <p:sldId id="315" r:id="rId20"/>
   </p:sldIdLst>
   <p:sldSz cx="12192000" cy="6858000"/>
   <p:notesSz cx="6858000" cy="9144000"/>
@@ -124,7 +123,7 @@
   </p:defaultTextStyle>
   <p:extLst>
     <p:ext uri="{EFAFB233-063F-42B5-8137-9DF3F51BA10A}">
-      <p15:sldGuideLst xmlns="" xmlns:p15="http://schemas.microsoft.com/office/powerpoint/2012/main">
+      <p15:sldGuideLst xmlns:p15="http://schemas.microsoft.com/office/powerpoint/2012/main" xmlns="">
         <p15:guide id="1" orient="horz" pos="2160">
           <p15:clr>
             <a:srgbClr val="A4A3A4"/>
@@ -866,7 +865,7 @@
             <a:fld id="{3CCF56C0-5008-4DB4-8698-E16469066013}" type="datetimeFigureOut">
               <a:rPr lang="ru-RU" smtClean="0"/>
               <a:pPr/>
-              <a:t>11.01.2021</a:t>
+              <a:t>14.01.2021</a:t>
             </a:fld>
             <a:endParaRPr lang="ru-RU" dirty="0"/>
           </a:p>
@@ -918,7 +917,7 @@
     </p:spTree>
     <p:extLst>
       <p:ext uri="{BB962C8B-B14F-4D97-AF65-F5344CB8AC3E}">
-        <p14:creationId xmlns="" xmlns:p14="http://schemas.microsoft.com/office/powerpoint/2010/main" val="4238684791"/>
+        <p14:creationId xmlns:p14="http://schemas.microsoft.com/office/powerpoint/2010/main" xmlns="" val="4238684791"/>
       </p:ext>
     </p:extLst>
   </p:cSld>
@@ -1119,7 +1118,7 @@
             <a:fld id="{3CCF56C0-5008-4DB4-8698-E16469066013}" type="datetimeFigureOut">
               <a:rPr lang="ru-RU" smtClean="0"/>
               <a:pPr/>
-              <a:t>11.01.2021</a:t>
+              <a:t>14.01.2021</a:t>
             </a:fld>
             <a:endParaRPr lang="ru-RU" dirty="0"/>
           </a:p>
@@ -1171,7 +1170,7 @@
     </p:spTree>
     <p:extLst>
       <p:ext uri="{BB962C8B-B14F-4D97-AF65-F5344CB8AC3E}">
-        <p14:creationId xmlns="" xmlns:p14="http://schemas.microsoft.com/office/powerpoint/2010/main" val="3509571314"/>
+        <p14:creationId xmlns:p14="http://schemas.microsoft.com/office/powerpoint/2010/main" xmlns="" val="3509571314"/>
       </p:ext>
     </p:extLst>
   </p:cSld>
@@ -1435,7 +1434,7 @@
             <a:fld id="{3CCF56C0-5008-4DB4-8698-E16469066013}" type="datetimeFigureOut">
               <a:rPr lang="ru-RU" smtClean="0"/>
               <a:pPr/>
-              <a:t>11.01.2021</a:t>
+              <a:t>14.01.2021</a:t>
             </a:fld>
             <a:endParaRPr lang="ru-RU" dirty="0"/>
           </a:p>
@@ -1563,7 +1562,7 @@
     </p:spTree>
     <p:extLst>
       <p:ext uri="{BB962C8B-B14F-4D97-AF65-F5344CB8AC3E}">
-        <p14:creationId xmlns="" xmlns:p14="http://schemas.microsoft.com/office/powerpoint/2010/main" val="913784525"/>
+        <p14:creationId xmlns:p14="http://schemas.microsoft.com/office/powerpoint/2010/main" xmlns="" val="913784525"/>
       </p:ext>
     </p:extLst>
   </p:cSld>
@@ -1764,7 +1763,7 @@
             <a:fld id="{3CCF56C0-5008-4DB4-8698-E16469066013}" type="datetimeFigureOut">
               <a:rPr lang="ru-RU" smtClean="0"/>
               <a:pPr/>
-              <a:t>11.01.2021</a:t>
+              <a:t>14.01.2021</a:t>
             </a:fld>
             <a:endParaRPr lang="ru-RU" dirty="0"/>
           </a:p>
@@ -1816,7 +1815,7 @@
     </p:spTree>
     <p:extLst>
       <p:ext uri="{BB962C8B-B14F-4D97-AF65-F5344CB8AC3E}">
-        <p14:creationId xmlns="" xmlns:p14="http://schemas.microsoft.com/office/powerpoint/2010/main" val="1237628931"/>
+        <p14:creationId xmlns:p14="http://schemas.microsoft.com/office/powerpoint/2010/main" xmlns="" val="1237628931"/>
       </p:ext>
     </p:extLst>
   </p:cSld>
@@ -2080,7 +2079,7 @@
             <a:fld id="{3CCF56C0-5008-4DB4-8698-E16469066013}" type="datetimeFigureOut">
               <a:rPr lang="ru-RU" smtClean="0"/>
               <a:pPr/>
-              <a:t>11.01.2021</a:t>
+              <a:t>14.01.2021</a:t>
             </a:fld>
             <a:endParaRPr lang="ru-RU" dirty="0"/>
           </a:p>
@@ -2208,7 +2207,7 @@
     </p:spTree>
     <p:extLst>
       <p:ext uri="{BB962C8B-B14F-4D97-AF65-F5344CB8AC3E}">
-        <p14:creationId xmlns="" xmlns:p14="http://schemas.microsoft.com/office/powerpoint/2010/main" val="4076467919"/>
+        <p14:creationId xmlns:p14="http://schemas.microsoft.com/office/powerpoint/2010/main" xmlns="" val="4076467919"/>
       </p:ext>
     </p:extLst>
   </p:cSld>
@@ -2469,7 +2468,7 @@
             <a:fld id="{3CCF56C0-5008-4DB4-8698-E16469066013}" type="datetimeFigureOut">
               <a:rPr lang="ru-RU" smtClean="0"/>
               <a:pPr/>
-              <a:t>11.01.2021</a:t>
+              <a:t>14.01.2021</a:t>
             </a:fld>
             <a:endParaRPr lang="ru-RU" dirty="0"/>
           </a:p>
@@ -2521,7 +2520,7 @@
     </p:spTree>
     <p:extLst>
       <p:ext uri="{BB962C8B-B14F-4D97-AF65-F5344CB8AC3E}">
-        <p14:creationId xmlns="" xmlns:p14="http://schemas.microsoft.com/office/powerpoint/2010/main" val="2010692"/>
+        <p14:creationId xmlns:p14="http://schemas.microsoft.com/office/powerpoint/2010/main" xmlns="" val="2010692"/>
       </p:ext>
     </p:extLst>
   </p:cSld>
@@ -2641,7 +2640,7 @@
             <a:fld id="{3CCF56C0-5008-4DB4-8698-E16469066013}" type="datetimeFigureOut">
               <a:rPr lang="ru-RU" smtClean="0"/>
               <a:pPr/>
-              <a:t>11.01.2021</a:t>
+              <a:t>14.01.2021</a:t>
             </a:fld>
             <a:endParaRPr lang="ru-RU" dirty="0"/>
           </a:p>
@@ -2693,7 +2692,7 @@
     </p:spTree>
     <p:extLst>
       <p:ext uri="{BB962C8B-B14F-4D97-AF65-F5344CB8AC3E}">
-        <p14:creationId xmlns="" xmlns:p14="http://schemas.microsoft.com/office/powerpoint/2010/main" val="1184326843"/>
+        <p14:creationId xmlns:p14="http://schemas.microsoft.com/office/powerpoint/2010/main" xmlns="" val="1184326843"/>
       </p:ext>
     </p:extLst>
   </p:cSld>
@@ -2823,7 +2822,7 @@
             <a:fld id="{3CCF56C0-5008-4DB4-8698-E16469066013}" type="datetimeFigureOut">
               <a:rPr lang="ru-RU" smtClean="0"/>
               <a:pPr/>
-              <a:t>11.01.2021</a:t>
+              <a:t>14.01.2021</a:t>
             </a:fld>
             <a:endParaRPr lang="ru-RU" dirty="0"/>
           </a:p>
@@ -2875,7 +2874,7 @@
     </p:spTree>
     <p:extLst>
       <p:ext uri="{BB962C8B-B14F-4D97-AF65-F5344CB8AC3E}">
-        <p14:creationId xmlns="" xmlns:p14="http://schemas.microsoft.com/office/powerpoint/2010/main" val="529529951"/>
+        <p14:creationId xmlns:p14="http://schemas.microsoft.com/office/powerpoint/2010/main" xmlns="" val="529529951"/>
       </p:ext>
     </p:extLst>
   </p:cSld>
@@ -3001,7 +3000,7 @@
             <a:fld id="{3CCF56C0-5008-4DB4-8698-E16469066013}" type="datetimeFigureOut">
               <a:rPr lang="ru-RU" smtClean="0"/>
               <a:pPr/>
-              <a:t>11.01.2021</a:t>
+              <a:t>14.01.2021</a:t>
             </a:fld>
             <a:endParaRPr lang="ru-RU" dirty="0"/>
           </a:p>
@@ -3053,7 +3052,7 @@
     </p:spTree>
     <p:extLst>
       <p:ext uri="{BB962C8B-B14F-4D97-AF65-F5344CB8AC3E}">
-        <p14:creationId xmlns="" xmlns:p14="http://schemas.microsoft.com/office/powerpoint/2010/main" val="1794803828"/>
+        <p14:creationId xmlns:p14="http://schemas.microsoft.com/office/powerpoint/2010/main" xmlns="" val="1794803828"/>
       </p:ext>
     </p:extLst>
   </p:cSld>
@@ -3250,7 +3249,7 @@
             <a:fld id="{3CCF56C0-5008-4DB4-8698-E16469066013}" type="datetimeFigureOut">
               <a:rPr lang="ru-RU" smtClean="0"/>
               <a:pPr/>
-              <a:t>11.01.2021</a:t>
+              <a:t>14.01.2021</a:t>
             </a:fld>
             <a:endParaRPr lang="ru-RU" dirty="0"/>
           </a:p>
@@ -3302,7 +3301,7 @@
     </p:spTree>
     <p:extLst>
       <p:ext uri="{BB962C8B-B14F-4D97-AF65-F5344CB8AC3E}">
-        <p14:creationId xmlns="" xmlns:p14="http://schemas.microsoft.com/office/powerpoint/2010/main" val="1622354848"/>
+        <p14:creationId xmlns:p14="http://schemas.microsoft.com/office/powerpoint/2010/main" xmlns="" val="1622354848"/>
       </p:ext>
     </p:extLst>
   </p:cSld>
@@ -3484,7 +3483,7 @@
             <a:fld id="{3CCF56C0-5008-4DB4-8698-E16469066013}" type="datetimeFigureOut">
               <a:rPr lang="ru-RU" smtClean="0"/>
               <a:pPr/>
-              <a:t>11.01.2021</a:t>
+              <a:t>14.01.2021</a:t>
             </a:fld>
             <a:endParaRPr lang="ru-RU" dirty="0"/>
           </a:p>
@@ -3536,7 +3535,7 @@
     </p:spTree>
     <p:extLst>
       <p:ext uri="{BB962C8B-B14F-4D97-AF65-F5344CB8AC3E}">
-        <p14:creationId xmlns="" xmlns:p14="http://schemas.microsoft.com/office/powerpoint/2010/main" val="2665461008"/>
+        <p14:creationId xmlns:p14="http://schemas.microsoft.com/office/powerpoint/2010/main" xmlns="" val="2665461008"/>
       </p:ext>
     </p:extLst>
   </p:cSld>
@@ -3860,7 +3859,7 @@
             <a:fld id="{3CCF56C0-5008-4DB4-8698-E16469066013}" type="datetimeFigureOut">
               <a:rPr lang="ru-RU" smtClean="0"/>
               <a:pPr/>
-              <a:t>11.01.2021</a:t>
+              <a:t>14.01.2021</a:t>
             </a:fld>
             <a:endParaRPr lang="ru-RU" dirty="0"/>
           </a:p>
@@ -3912,7 +3911,7 @@
     </p:spTree>
     <p:extLst>
       <p:ext uri="{BB962C8B-B14F-4D97-AF65-F5344CB8AC3E}">
-        <p14:creationId xmlns="" xmlns:p14="http://schemas.microsoft.com/office/powerpoint/2010/main" val="2514946757"/>
+        <p14:creationId xmlns:p14="http://schemas.microsoft.com/office/powerpoint/2010/main" xmlns="" val="2514946757"/>
       </p:ext>
     </p:extLst>
   </p:cSld>
@@ -3985,7 +3984,7 @@
             <a:fld id="{3CCF56C0-5008-4DB4-8698-E16469066013}" type="datetimeFigureOut">
               <a:rPr lang="ru-RU" smtClean="0"/>
               <a:pPr/>
-              <a:t>11.01.2021</a:t>
+              <a:t>14.01.2021</a:t>
             </a:fld>
             <a:endParaRPr lang="ru-RU" dirty="0"/>
           </a:p>
@@ -4037,7 +4036,7 @@
     </p:spTree>
     <p:extLst>
       <p:ext uri="{BB962C8B-B14F-4D97-AF65-F5344CB8AC3E}">
-        <p14:creationId xmlns="" xmlns:p14="http://schemas.microsoft.com/office/powerpoint/2010/main" val="1009674793"/>
+        <p14:creationId xmlns:p14="http://schemas.microsoft.com/office/powerpoint/2010/main" xmlns="" val="1009674793"/>
       </p:ext>
     </p:extLst>
   </p:cSld>
@@ -4082,7 +4081,7 @@
             <a:fld id="{3CCF56C0-5008-4DB4-8698-E16469066013}" type="datetimeFigureOut">
               <a:rPr lang="ru-RU" smtClean="0"/>
               <a:pPr/>
-              <a:t>11.01.2021</a:t>
+              <a:t>14.01.2021</a:t>
             </a:fld>
             <a:endParaRPr lang="ru-RU" dirty="0"/>
           </a:p>
@@ -4134,7 +4133,7 @@
     </p:spTree>
     <p:extLst>
       <p:ext uri="{BB962C8B-B14F-4D97-AF65-F5344CB8AC3E}">
-        <p14:creationId xmlns="" xmlns:p14="http://schemas.microsoft.com/office/powerpoint/2010/main" val="37853350"/>
+        <p14:creationId xmlns:p14="http://schemas.microsoft.com/office/powerpoint/2010/main" xmlns="" val="37853350"/>
       </p:ext>
     </p:extLst>
   </p:cSld>
@@ -4339,7 +4338,7 @@
             <a:fld id="{3CCF56C0-5008-4DB4-8698-E16469066013}" type="datetimeFigureOut">
               <a:rPr lang="ru-RU" smtClean="0"/>
               <a:pPr/>
-              <a:t>11.01.2021</a:t>
+              <a:t>14.01.2021</a:t>
             </a:fld>
             <a:endParaRPr lang="ru-RU" dirty="0"/>
           </a:p>
@@ -4391,7 +4390,7 @@
     </p:spTree>
     <p:extLst>
       <p:ext uri="{BB962C8B-B14F-4D97-AF65-F5344CB8AC3E}">
-        <p14:creationId xmlns="" xmlns:p14="http://schemas.microsoft.com/office/powerpoint/2010/main" val="1485505807"/>
+        <p14:creationId xmlns:p14="http://schemas.microsoft.com/office/powerpoint/2010/main" xmlns="" val="1485505807"/>
       </p:ext>
     </p:extLst>
   </p:cSld>
@@ -4604,7 +4603,7 @@
             <a:fld id="{3CCF56C0-5008-4DB4-8698-E16469066013}" type="datetimeFigureOut">
               <a:rPr lang="ru-RU" smtClean="0"/>
               <a:pPr/>
-              <a:t>11.01.2021</a:t>
+              <a:t>14.01.2021</a:t>
             </a:fld>
             <a:endParaRPr lang="ru-RU" dirty="0"/>
           </a:p>
@@ -4656,7 +4655,7 @@
     </p:spTree>
     <p:extLst>
       <p:ext uri="{BB962C8B-B14F-4D97-AF65-F5344CB8AC3E}">
-        <p14:creationId xmlns="" xmlns:p14="http://schemas.microsoft.com/office/powerpoint/2010/main" val="1525686664"/>
+        <p14:creationId xmlns:p14="http://schemas.microsoft.com/office/powerpoint/2010/main" xmlns="" val="1525686664"/>
       </p:ext>
     </p:extLst>
   </p:cSld>
@@ -5351,7 +5350,7 @@
             <a:fld id="{3CCF56C0-5008-4DB4-8698-E16469066013}" type="datetimeFigureOut">
               <a:rPr lang="ru-RU" smtClean="0"/>
               <a:pPr/>
-              <a:t>11.01.2021</a:t>
+              <a:t>14.01.2021</a:t>
             </a:fld>
             <a:endParaRPr lang="ru-RU" dirty="0"/>
           </a:p>
@@ -5437,7 +5436,7 @@
     </p:spTree>
     <p:extLst>
       <p:ext uri="{BB962C8B-B14F-4D97-AF65-F5344CB8AC3E}">
-        <p14:creationId xmlns="" xmlns:p14="http://schemas.microsoft.com/office/powerpoint/2010/main" val="2523392475"/>
+        <p14:creationId xmlns:p14="http://schemas.microsoft.com/office/powerpoint/2010/main" xmlns="" val="2523392475"/>
       </p:ext>
     </p:extLst>
   </p:cSld>
@@ -5937,7 +5936,7 @@
     </p:spTree>
     <p:extLst>
       <p:ext uri="{BB962C8B-B14F-4D97-AF65-F5344CB8AC3E}">
-        <p14:creationId xmlns="" xmlns:p14="http://schemas.microsoft.com/office/powerpoint/2010/main" val="1354132756"/>
+        <p14:creationId xmlns:p14="http://schemas.microsoft.com/office/powerpoint/2010/main" xmlns="" val="1354132756"/>
       </p:ext>
     </p:extLst>
   </p:cSld>
@@ -7508,21 +7507,8 @@
             </a:r>
             <a:r>
               <a:rPr lang="ru-RU" dirty="0" smtClean="0"/>
-              <a:t>группы </a:t>
-            </a:r>
-            <a:r>
-              <a:rPr lang="ru-RU" dirty="0" smtClean="0"/>
-              <a:t>корунда - </a:t>
-            </a:r>
-            <a:r>
-              <a:rPr lang="ru-RU" dirty="0" smtClean="0"/>
-              <a:t>44273004</a:t>
-            </a:r>
-            <a:r>
-              <a:rPr lang="ru-RU" dirty="0" smtClean="0"/>
-              <a:t>)</a:t>
-            </a:r>
-            <a:endParaRPr lang="ru-RU" dirty="0" smtClean="0"/>
+              <a:t>группы корунда - 44273004)</a:t>
+            </a:r>
           </a:p>
         </p:txBody>
       </p:sp>
@@ -7603,7 +7589,23 @@
             </a:r>
             <a:r>
               <a:rPr lang="ru-RU" dirty="0" smtClean="0"/>
-              <a:t>создайте метод позволяющий классу принимать </a:t>
+              <a:t>создайте </a:t>
+            </a:r>
+            <a:r>
+              <a:rPr lang="ru-RU" dirty="0" smtClean="0"/>
+              <a:t>метод</a:t>
+            </a:r>
+            <a:r>
+              <a:rPr lang="ru-RU" dirty="0" smtClean="0"/>
+              <a:t>, который при вызове класса</a:t>
+            </a:r>
+            <a:r>
+              <a:rPr lang="ru-RU" dirty="0" smtClean="0"/>
+              <a:t> позволяет </a:t>
+            </a:r>
+            <a:r>
+              <a:rPr lang="ru-RU" dirty="0" smtClean="0"/>
+              <a:t>принимать </a:t>
             </a:r>
             <a:r>
               <a:rPr lang="en-US" dirty="0" smtClean="0"/>
@@ -7611,8 +7613,13 @@
             </a:r>
             <a:r>
               <a:rPr lang="ru-RU" dirty="0" smtClean="0"/>
-              <a:t>странички и токен через аргумент</a:t>
-            </a:r>
+              <a:t>странички и токен через </a:t>
+            </a:r>
+            <a:r>
+              <a:rPr lang="ru-RU" dirty="0" smtClean="0"/>
+              <a:t>аргумент</a:t>
+            </a:r>
+            <a:endParaRPr lang="ru-RU" dirty="0" smtClean="0"/>
           </a:p>
           <a:p>
             <a:pPr>
@@ -7629,7 +7636,11 @@
             </a:r>
             <a:r>
               <a:rPr lang="ru-RU" dirty="0" smtClean="0"/>
-              <a:t>создайте переменную с настройками метода </a:t>
+              <a:t>создайте переменную с </a:t>
+            </a:r>
+            <a:r>
+              <a:rPr lang="ru-RU" dirty="0" smtClean="0"/>
+              <a:t>параметрами метода </a:t>
             </a:r>
             <a:r>
               <a:rPr lang="en-US" dirty="0" smtClean="0"/>
@@ -7683,76 +7694,8 @@
             </a:pPr>
             <a:r>
               <a:rPr lang="ru-RU" dirty="0" smtClean="0"/>
-              <a:t>И вызовите его метод создающий </a:t>
-            </a:r>
-            <a:r>
-              <a:rPr lang="ru-RU" smtClean="0"/>
-              <a:t>полную ссылку (проверьте её)</a:t>
-            </a:r>
-            <a:endParaRPr lang="ru-RU" dirty="0" smtClean="0"/>
-          </a:p>
-        </p:txBody>
-      </p:sp>
-    </p:spTree>
-  </p:cSld>
-  <p:clrMapOvr>
-    <a:masterClrMapping/>
-  </p:clrMapOvr>
-</p:sld>
-</file>
-
-<file path=ppt/slides/slide19.xml><?xml version="1.0" encoding="utf-8"?>
-<p:sld xmlns:a="http://schemas.openxmlformats.org/drawingml/2006/main" xmlns:r="http://schemas.openxmlformats.org/officeDocument/2006/relationships" xmlns:p="http://schemas.openxmlformats.org/presentationml/2006/main">
-  <p:cSld>
-    <p:spTree>
-      <p:nvGrpSpPr>
-        <p:cNvPr id="1" name=""/>
-        <p:cNvGrpSpPr/>
-        <p:nvPr/>
-      </p:nvGrpSpPr>
-      <p:grpSpPr>
-        <a:xfrm>
-          <a:off x="0" y="0"/>
-          <a:ext cx="0" cy="0"/>
-          <a:chOff x="0" y="0"/>
-          <a:chExt cx="0" cy="0"/>
-        </a:xfrm>
-      </p:grpSpPr>
-      <p:sp>
-        <p:nvSpPr>
-          <p:cNvPr id="2" name="Заголовок 1"/>
-          <p:cNvSpPr>
-            <a:spLocks noGrp="1"/>
-          </p:cNvSpPr>
-          <p:nvPr>
-            <p:ph type="title"/>
-          </p:nvPr>
-        </p:nvSpPr>
-        <p:spPr/>
-        <p:txBody>
-          <a:bodyPr/>
-          <a:lstStyle/>
-          <a:p>
-            <a:endParaRPr lang="ru-RU" dirty="0"/>
-          </a:p>
-        </p:txBody>
-      </p:sp>
-      <p:sp>
-        <p:nvSpPr>
-          <p:cNvPr id="3" name="Содержимое 2"/>
-          <p:cNvSpPr>
-            <a:spLocks noGrp="1"/>
-          </p:cNvSpPr>
-          <p:nvPr>
-            <p:ph idx="1"/>
-          </p:nvPr>
-        </p:nvSpPr>
-        <p:spPr/>
-        <p:txBody>
-          <a:bodyPr/>
-          <a:lstStyle/>
-          <a:p>
-            <a:endParaRPr lang="ru-RU"/>
+              <a:t>И вызовите его метод создающий полную ссылку (проверьте её)</a:t>
+            </a:r>
           </a:p>
         </p:txBody>
       </p:sp>
@@ -8981,7 +8924,7 @@
   <a:extraClrSchemeLst/>
   <a:extLst>
     <a:ext uri="{05A4C25C-085E-4340-85A3-A5531E510DB2}">
-      <thm15:themeFamily xmlns="" xmlns:thm15="http://schemas.microsoft.com/office/thememl/2012/main" name="Facet" id="{C0C680CD-088A-49FC-A102-D699147F32B2}" vid="{8C59B386-999D-4CB6-B907-9F3997C027CC}"/>
+      <thm15:themeFamily xmlns:thm15="http://schemas.microsoft.com/office/thememl/2012/main" xmlns="" name="Facet" id="{C0C680CD-088A-49FC-A102-D699147F32B2}" vid="{8C59B386-999D-4CB6-B907-9F3997C027CC}"/>
     </a:ext>
   </a:extLst>
 </a:theme>

--- a/python/module2/presentation/урок 4 модуль 2.pptx
+++ b/python/module2/presentation/урок 4 модуль 2.pptx
@@ -20,9 +20,6 @@
     <p:sldId id="308" r:id="rId14"/>
     <p:sldId id="309" r:id="rId15"/>
     <p:sldId id="312" r:id="rId16"/>
-    <p:sldId id="311" r:id="rId17"/>
-    <p:sldId id="314" r:id="rId18"/>
-    <p:sldId id="313" r:id="rId19"/>
   </p:sldIdLst>
   <p:sldSz cx="12192000" cy="6858000"/>
   <p:notesSz cx="6858000" cy="9144000"/>
@@ -123,7 +120,7 @@
   </p:defaultTextStyle>
   <p:extLst>
     <p:ext uri="{EFAFB233-063F-42B5-8137-9DF3F51BA10A}">
-      <p15:sldGuideLst xmlns:p15="http://schemas.microsoft.com/office/powerpoint/2012/main" xmlns="">
+      <p15:sldGuideLst xmlns="" xmlns:p15="http://schemas.microsoft.com/office/powerpoint/2012/main">
         <p15:guide id="1" orient="horz" pos="2160">
           <p15:clr>
             <a:srgbClr val="A4A3A4"/>
@@ -917,7 +914,7 @@
     </p:spTree>
     <p:extLst>
       <p:ext uri="{BB962C8B-B14F-4D97-AF65-F5344CB8AC3E}">
-        <p14:creationId xmlns:p14="http://schemas.microsoft.com/office/powerpoint/2010/main" xmlns="" val="4238684791"/>
+        <p14:creationId xmlns="" xmlns:p14="http://schemas.microsoft.com/office/powerpoint/2010/main" val="4238684791"/>
       </p:ext>
     </p:extLst>
   </p:cSld>
@@ -1170,7 +1167,7 @@
     </p:spTree>
     <p:extLst>
       <p:ext uri="{BB962C8B-B14F-4D97-AF65-F5344CB8AC3E}">
-        <p14:creationId xmlns:p14="http://schemas.microsoft.com/office/powerpoint/2010/main" xmlns="" val="3509571314"/>
+        <p14:creationId xmlns="" xmlns:p14="http://schemas.microsoft.com/office/powerpoint/2010/main" val="3509571314"/>
       </p:ext>
     </p:extLst>
   </p:cSld>
@@ -1562,7 +1559,7 @@
     </p:spTree>
     <p:extLst>
       <p:ext uri="{BB962C8B-B14F-4D97-AF65-F5344CB8AC3E}">
-        <p14:creationId xmlns:p14="http://schemas.microsoft.com/office/powerpoint/2010/main" xmlns="" val="913784525"/>
+        <p14:creationId xmlns="" xmlns:p14="http://schemas.microsoft.com/office/powerpoint/2010/main" val="913784525"/>
       </p:ext>
     </p:extLst>
   </p:cSld>
@@ -1815,7 +1812,7 @@
     </p:spTree>
     <p:extLst>
       <p:ext uri="{BB962C8B-B14F-4D97-AF65-F5344CB8AC3E}">
-        <p14:creationId xmlns:p14="http://schemas.microsoft.com/office/powerpoint/2010/main" xmlns="" val="1237628931"/>
+        <p14:creationId xmlns="" xmlns:p14="http://schemas.microsoft.com/office/powerpoint/2010/main" val="1237628931"/>
       </p:ext>
     </p:extLst>
   </p:cSld>
@@ -2207,7 +2204,7 @@
     </p:spTree>
     <p:extLst>
       <p:ext uri="{BB962C8B-B14F-4D97-AF65-F5344CB8AC3E}">
-        <p14:creationId xmlns:p14="http://schemas.microsoft.com/office/powerpoint/2010/main" xmlns="" val="4076467919"/>
+        <p14:creationId xmlns="" xmlns:p14="http://schemas.microsoft.com/office/powerpoint/2010/main" val="4076467919"/>
       </p:ext>
     </p:extLst>
   </p:cSld>
@@ -2520,7 +2517,7 @@
     </p:spTree>
     <p:extLst>
       <p:ext uri="{BB962C8B-B14F-4D97-AF65-F5344CB8AC3E}">
-        <p14:creationId xmlns:p14="http://schemas.microsoft.com/office/powerpoint/2010/main" xmlns="" val="2010692"/>
+        <p14:creationId xmlns="" xmlns:p14="http://schemas.microsoft.com/office/powerpoint/2010/main" val="2010692"/>
       </p:ext>
     </p:extLst>
   </p:cSld>
@@ -2692,7 +2689,7 @@
     </p:spTree>
     <p:extLst>
       <p:ext uri="{BB962C8B-B14F-4D97-AF65-F5344CB8AC3E}">
-        <p14:creationId xmlns:p14="http://schemas.microsoft.com/office/powerpoint/2010/main" xmlns="" val="1184326843"/>
+        <p14:creationId xmlns="" xmlns:p14="http://schemas.microsoft.com/office/powerpoint/2010/main" val="1184326843"/>
       </p:ext>
     </p:extLst>
   </p:cSld>
@@ -2874,7 +2871,7 @@
     </p:spTree>
     <p:extLst>
       <p:ext uri="{BB962C8B-B14F-4D97-AF65-F5344CB8AC3E}">
-        <p14:creationId xmlns:p14="http://schemas.microsoft.com/office/powerpoint/2010/main" xmlns="" val="529529951"/>
+        <p14:creationId xmlns="" xmlns:p14="http://schemas.microsoft.com/office/powerpoint/2010/main" val="529529951"/>
       </p:ext>
     </p:extLst>
   </p:cSld>
@@ -3052,7 +3049,7 @@
     </p:spTree>
     <p:extLst>
       <p:ext uri="{BB962C8B-B14F-4D97-AF65-F5344CB8AC3E}">
-        <p14:creationId xmlns:p14="http://schemas.microsoft.com/office/powerpoint/2010/main" xmlns="" val="1794803828"/>
+        <p14:creationId xmlns="" xmlns:p14="http://schemas.microsoft.com/office/powerpoint/2010/main" val="1794803828"/>
       </p:ext>
     </p:extLst>
   </p:cSld>
@@ -3301,7 +3298,7 @@
     </p:spTree>
     <p:extLst>
       <p:ext uri="{BB962C8B-B14F-4D97-AF65-F5344CB8AC3E}">
-        <p14:creationId xmlns:p14="http://schemas.microsoft.com/office/powerpoint/2010/main" xmlns="" val="1622354848"/>
+        <p14:creationId xmlns="" xmlns:p14="http://schemas.microsoft.com/office/powerpoint/2010/main" val="1622354848"/>
       </p:ext>
     </p:extLst>
   </p:cSld>
@@ -3535,7 +3532,7 @@
     </p:spTree>
     <p:extLst>
       <p:ext uri="{BB962C8B-B14F-4D97-AF65-F5344CB8AC3E}">
-        <p14:creationId xmlns:p14="http://schemas.microsoft.com/office/powerpoint/2010/main" xmlns="" val="2665461008"/>
+        <p14:creationId xmlns="" xmlns:p14="http://schemas.microsoft.com/office/powerpoint/2010/main" val="2665461008"/>
       </p:ext>
     </p:extLst>
   </p:cSld>
@@ -3911,7 +3908,7 @@
     </p:spTree>
     <p:extLst>
       <p:ext uri="{BB962C8B-B14F-4D97-AF65-F5344CB8AC3E}">
-        <p14:creationId xmlns:p14="http://schemas.microsoft.com/office/powerpoint/2010/main" xmlns="" val="2514946757"/>
+        <p14:creationId xmlns="" xmlns:p14="http://schemas.microsoft.com/office/powerpoint/2010/main" val="2514946757"/>
       </p:ext>
     </p:extLst>
   </p:cSld>
@@ -4036,7 +4033,7 @@
     </p:spTree>
     <p:extLst>
       <p:ext uri="{BB962C8B-B14F-4D97-AF65-F5344CB8AC3E}">
-        <p14:creationId xmlns:p14="http://schemas.microsoft.com/office/powerpoint/2010/main" xmlns="" val="1009674793"/>
+        <p14:creationId xmlns="" xmlns:p14="http://schemas.microsoft.com/office/powerpoint/2010/main" val="1009674793"/>
       </p:ext>
     </p:extLst>
   </p:cSld>
@@ -4133,7 +4130,7 @@
     </p:spTree>
     <p:extLst>
       <p:ext uri="{BB962C8B-B14F-4D97-AF65-F5344CB8AC3E}">
-        <p14:creationId xmlns:p14="http://schemas.microsoft.com/office/powerpoint/2010/main" xmlns="" val="37853350"/>
+        <p14:creationId xmlns="" xmlns:p14="http://schemas.microsoft.com/office/powerpoint/2010/main" val="37853350"/>
       </p:ext>
     </p:extLst>
   </p:cSld>
@@ -4390,7 +4387,7 @@
     </p:spTree>
     <p:extLst>
       <p:ext uri="{BB962C8B-B14F-4D97-AF65-F5344CB8AC3E}">
-        <p14:creationId xmlns:p14="http://schemas.microsoft.com/office/powerpoint/2010/main" xmlns="" val="1485505807"/>
+        <p14:creationId xmlns="" xmlns:p14="http://schemas.microsoft.com/office/powerpoint/2010/main" val="1485505807"/>
       </p:ext>
     </p:extLst>
   </p:cSld>
@@ -4655,7 +4652,7 @@
     </p:spTree>
     <p:extLst>
       <p:ext uri="{BB962C8B-B14F-4D97-AF65-F5344CB8AC3E}">
-        <p14:creationId xmlns:p14="http://schemas.microsoft.com/office/powerpoint/2010/main" xmlns="" val="1525686664"/>
+        <p14:creationId xmlns="" xmlns:p14="http://schemas.microsoft.com/office/powerpoint/2010/main" val="1525686664"/>
       </p:ext>
     </p:extLst>
   </p:cSld>
@@ -5436,7 +5433,7 @@
     </p:spTree>
     <p:extLst>
       <p:ext uri="{BB962C8B-B14F-4D97-AF65-F5344CB8AC3E}">
-        <p14:creationId xmlns:p14="http://schemas.microsoft.com/office/powerpoint/2010/main" xmlns="" val="2523392475"/>
+        <p14:creationId xmlns="" xmlns:p14="http://schemas.microsoft.com/office/powerpoint/2010/main" val="2523392475"/>
       </p:ext>
     </p:extLst>
   </p:cSld>
@@ -5936,7 +5933,7 @@
     </p:spTree>
     <p:extLst>
       <p:ext uri="{BB962C8B-B14F-4D97-AF65-F5344CB8AC3E}">
-        <p14:creationId xmlns:p14="http://schemas.microsoft.com/office/powerpoint/2010/main" xmlns="" val="1354132756"/>
+        <p14:creationId xmlns="" xmlns:p14="http://schemas.microsoft.com/office/powerpoint/2010/main" val="1354132756"/>
       </p:ext>
     </p:extLst>
   </p:cSld>
@@ -6909,792 +6906,6 @@
             <a:r>
               <a:rPr lang="ru-RU" dirty="0" smtClean="0"/>
               <a:t>объекту, что мы видели ранее.</a:t>
-            </a:r>
-          </a:p>
-        </p:txBody>
-      </p:sp>
-    </p:spTree>
-  </p:cSld>
-  <p:clrMapOvr>
-    <a:masterClrMapping/>
-  </p:clrMapOvr>
-</p:sld>
-</file>
-
-<file path=ppt/slides/slide16.xml><?xml version="1.0" encoding="utf-8"?>
-<p:sld xmlns:a="http://schemas.openxmlformats.org/drawingml/2006/main" xmlns:r="http://schemas.openxmlformats.org/officeDocument/2006/relationships" xmlns:p="http://schemas.openxmlformats.org/presentationml/2006/main">
-  <p:cSld>
-    <p:spTree>
-      <p:nvGrpSpPr>
-        <p:cNvPr id="1" name=""/>
-        <p:cNvGrpSpPr/>
-        <p:nvPr/>
-      </p:nvGrpSpPr>
-      <p:grpSpPr>
-        <a:xfrm>
-          <a:off x="0" y="0"/>
-          <a:ext cx="0" cy="0"/>
-          <a:chOff x="0" y="0"/>
-          <a:chExt cx="0" cy="0"/>
-        </a:xfrm>
-      </p:grpSpPr>
-      <p:sp>
-        <p:nvSpPr>
-          <p:cNvPr id="2" name="Заголовок 1"/>
-          <p:cNvSpPr>
-            <a:spLocks noGrp="1"/>
-          </p:cNvSpPr>
-          <p:nvPr>
-            <p:ph type="title"/>
-          </p:nvPr>
-        </p:nvSpPr>
-        <p:spPr/>
-        <p:txBody>
-          <a:bodyPr/>
-          <a:lstStyle/>
-          <a:p>
-            <a:r>
-              <a:rPr lang="ru-RU" dirty="0" smtClean="0"/>
-              <a:t>Параметры метода для </a:t>
-            </a:r>
-            <a:r>
-              <a:rPr lang="en-US" dirty="0" smtClean="0"/>
-              <a:t>API</a:t>
-            </a:r>
-            <a:endParaRPr lang="ru-RU" dirty="0"/>
-          </a:p>
-        </p:txBody>
-      </p:sp>
-      <p:sp>
-        <p:nvSpPr>
-          <p:cNvPr id="3" name="Содержимое 2"/>
-          <p:cNvSpPr>
-            <a:spLocks noGrp="1"/>
-          </p:cNvSpPr>
-          <p:nvPr>
-            <p:ph idx="1"/>
-          </p:nvPr>
-        </p:nvSpPr>
-        <p:spPr/>
-        <p:txBody>
-          <a:bodyPr/>
-          <a:lstStyle/>
-          <a:p>
-            <a:pPr>
-              <a:buFont typeface="Wingdings"/>
-              <a:buChar char="Ø"/>
-            </a:pPr>
-            <a:r>
-              <a:rPr lang="ru-RU" dirty="0" smtClean="0"/>
-              <a:t>Теперь для получения того, что нам нужно пропишем все необходимые параметры:</a:t>
-            </a:r>
-          </a:p>
-          <a:p>
-            <a:pPr>
-              <a:buNone/>
-            </a:pPr>
-            <a:r>
-              <a:rPr lang="en-US" dirty="0" smtClean="0">
-                <a:solidFill>
-                  <a:schemeClr val="tx1"/>
-                </a:solidFill>
-              </a:rPr>
-              <a:t>https://api.vk.com/method/wall.get?</a:t>
-            </a:r>
-            <a:endParaRPr lang="ru-RU" dirty="0" smtClean="0">
-              <a:solidFill>
-                <a:schemeClr val="tx1"/>
-              </a:solidFill>
-            </a:endParaRPr>
-          </a:p>
-          <a:p>
-            <a:pPr>
-              <a:buNone/>
-            </a:pPr>
-            <a:r>
-              <a:rPr lang="en-US" dirty="0" smtClean="0">
-                <a:solidFill>
-                  <a:schemeClr val="accent1">
-                    <a:lumMod val="60000"/>
-                    <a:lumOff val="40000"/>
-                  </a:schemeClr>
-                </a:solidFill>
-              </a:rPr>
-              <a:t>owner_id=(</a:t>
-            </a:r>
-            <a:r>
-              <a:rPr lang="ru-RU" dirty="0" smtClean="0">
-                <a:solidFill>
-                  <a:schemeClr val="accent1">
-                    <a:lumMod val="60000"/>
-                    <a:lumOff val="40000"/>
-                  </a:schemeClr>
-                </a:solidFill>
-              </a:rPr>
-              <a:t>сюда помещается </a:t>
-            </a:r>
-            <a:r>
-              <a:rPr lang="en-US" dirty="0" smtClean="0">
-                <a:solidFill>
-                  <a:schemeClr val="accent1">
-                    <a:lumMod val="60000"/>
-                    <a:lumOff val="40000"/>
-                  </a:schemeClr>
-                </a:solidFill>
-              </a:rPr>
-              <a:t>id </a:t>
-            </a:r>
-            <a:r>
-              <a:rPr lang="ru-RU" dirty="0" smtClean="0">
-                <a:solidFill>
-                  <a:schemeClr val="accent1">
-                    <a:lumMod val="60000"/>
-                    <a:lumOff val="40000"/>
-                  </a:schemeClr>
-                </a:solidFill>
-              </a:rPr>
-              <a:t>странички, перед </a:t>
-            </a:r>
-            <a:r>
-              <a:rPr lang="en-US" dirty="0" smtClean="0">
-                <a:solidFill>
-                  <a:schemeClr val="accent1">
-                    <a:lumMod val="60000"/>
-                    <a:lumOff val="40000"/>
-                  </a:schemeClr>
-                </a:solidFill>
-              </a:rPr>
-              <a:t>id </a:t>
-            </a:r>
-            <a:r>
-              <a:rPr lang="ru-RU" dirty="0" smtClean="0">
-                <a:solidFill>
-                  <a:schemeClr val="accent1">
-                    <a:lumMod val="60000"/>
-                    <a:lumOff val="40000"/>
-                  </a:schemeClr>
-                </a:solidFill>
-              </a:rPr>
-              <a:t>пишется - </a:t>
-            </a:r>
-            <a:r>
-              <a:rPr lang="en-US" dirty="0" smtClean="0">
-                <a:solidFill>
-                  <a:schemeClr val="accent1">
-                    <a:lumMod val="60000"/>
-                    <a:lumOff val="40000"/>
-                  </a:schemeClr>
-                </a:solidFill>
-              </a:rPr>
-              <a:t>)&amp;</a:t>
-            </a:r>
-            <a:endParaRPr lang="en-US" dirty="0" smtClean="0"/>
-          </a:p>
-          <a:p>
-            <a:pPr>
-              <a:buNone/>
-            </a:pPr>
-            <a:r>
-              <a:rPr lang="en-US" dirty="0" smtClean="0">
-                <a:solidFill>
-                  <a:schemeClr val="accent1">
-                    <a:lumMod val="60000"/>
-                    <a:lumOff val="40000"/>
-                  </a:schemeClr>
-                </a:solidFill>
-              </a:rPr>
-              <a:t>count=(</a:t>
-            </a:r>
-            <a:r>
-              <a:rPr lang="ru-RU" dirty="0" smtClean="0">
-                <a:solidFill>
-                  <a:schemeClr val="accent1">
-                    <a:lumMod val="60000"/>
-                    <a:lumOff val="40000"/>
-                  </a:schemeClr>
-                </a:solidFill>
-              </a:rPr>
-              <a:t>количество объектов</a:t>
-            </a:r>
-            <a:r>
-              <a:rPr lang="en-US" dirty="0" smtClean="0">
-                <a:solidFill>
-                  <a:schemeClr val="accent1">
-                    <a:lumMod val="60000"/>
-                    <a:lumOff val="40000"/>
-                  </a:schemeClr>
-                </a:solidFill>
-              </a:rPr>
-              <a:t>, </a:t>
-            </a:r>
-            <a:r>
-              <a:rPr lang="ru-RU" dirty="0" smtClean="0">
-                <a:solidFill>
-                  <a:schemeClr val="accent1">
-                    <a:lumMod val="60000"/>
-                    <a:lumOff val="40000"/>
-                  </a:schemeClr>
-                </a:solidFill>
-              </a:rPr>
-              <a:t>в этом методе максимальное число = 100</a:t>
-            </a:r>
-            <a:r>
-              <a:rPr lang="en-US" dirty="0" smtClean="0">
-                <a:solidFill>
-                  <a:schemeClr val="accent1">
-                    <a:lumMod val="60000"/>
-                    <a:lumOff val="40000"/>
-                  </a:schemeClr>
-                </a:solidFill>
-              </a:rPr>
-              <a:t>)&amp;</a:t>
-            </a:r>
-          </a:p>
-          <a:p>
-            <a:pPr>
-              <a:buNone/>
-            </a:pPr>
-            <a:r>
-              <a:rPr lang="en-US" dirty="0" smtClean="0">
-                <a:solidFill>
-                  <a:schemeClr val="accent1">
-                    <a:lumMod val="60000"/>
-                    <a:lumOff val="40000"/>
-                  </a:schemeClr>
-                </a:solidFill>
-              </a:rPr>
-              <a:t>offset=(</a:t>
-            </a:r>
-            <a:r>
-              <a:rPr lang="ru-RU" dirty="0" smtClean="0">
-                <a:solidFill>
-                  <a:schemeClr val="accent1">
-                    <a:lumMod val="60000"/>
-                    <a:lumOff val="40000"/>
-                  </a:schemeClr>
-                </a:solidFill>
-              </a:rPr>
-              <a:t>смещение – какой объект, от последнего, мы будем парсить</a:t>
-            </a:r>
-            <a:r>
-              <a:rPr lang="en-US" dirty="0" smtClean="0">
-                <a:solidFill>
-                  <a:schemeClr val="accent1">
-                    <a:lumMod val="60000"/>
-                    <a:lumOff val="40000"/>
-                  </a:schemeClr>
-                </a:solidFill>
-              </a:rPr>
-              <a:t>)&amp;</a:t>
-            </a:r>
-          </a:p>
-          <a:p>
-            <a:pPr>
-              <a:buNone/>
-            </a:pPr>
-            <a:r>
-              <a:rPr lang="en-US" dirty="0" smtClean="0">
-                <a:solidFill>
-                  <a:schemeClr val="accent1">
-                    <a:lumMod val="60000"/>
-                    <a:lumOff val="40000"/>
-                  </a:schemeClr>
-                </a:solidFill>
-              </a:rPr>
-              <a:t>access_token=(</a:t>
-            </a:r>
-            <a:r>
-              <a:rPr lang="ru-RU" dirty="0" smtClean="0">
-                <a:solidFill>
-                  <a:schemeClr val="accent1">
-                    <a:lumMod val="60000"/>
-                    <a:lumOff val="40000"/>
-                  </a:schemeClr>
-                </a:solidFill>
-              </a:rPr>
-              <a:t>сюда помещается наш токен</a:t>
-            </a:r>
-            <a:r>
-              <a:rPr lang="en-US" dirty="0" smtClean="0">
-                <a:solidFill>
-                  <a:schemeClr val="accent1">
-                    <a:lumMod val="60000"/>
-                    <a:lumOff val="40000"/>
-                  </a:schemeClr>
-                </a:solidFill>
-              </a:rPr>
-              <a:t>)&amp;</a:t>
-            </a:r>
-          </a:p>
-          <a:p>
-            <a:pPr>
-              <a:buNone/>
-            </a:pPr>
-            <a:r>
-              <a:rPr lang="en-US" dirty="0" smtClean="0">
-                <a:solidFill>
-                  <a:schemeClr val="accent1">
-                    <a:lumMod val="60000"/>
-                    <a:lumOff val="40000"/>
-                  </a:schemeClr>
-                </a:solidFill>
-              </a:rPr>
-              <a:t>v=(</a:t>
-            </a:r>
-            <a:r>
-              <a:rPr lang="ru-RU" dirty="0" smtClean="0">
-                <a:solidFill>
-                  <a:schemeClr val="accent1">
-                    <a:lumMod val="60000"/>
-                    <a:lumOff val="40000"/>
-                  </a:schemeClr>
-                </a:solidFill>
-              </a:rPr>
-              <a:t>версия ответа, мы будем использовать 5.126</a:t>
-            </a:r>
-            <a:r>
-              <a:rPr lang="en-US" dirty="0" smtClean="0">
-                <a:solidFill>
-                  <a:schemeClr val="accent1">
-                    <a:lumMod val="60000"/>
-                    <a:lumOff val="40000"/>
-                  </a:schemeClr>
-                </a:solidFill>
-              </a:rPr>
-              <a:t>)</a:t>
-            </a:r>
-            <a:endParaRPr lang="ru-RU" dirty="0" smtClean="0">
-              <a:solidFill>
-                <a:schemeClr val="accent1">
-                  <a:lumMod val="60000"/>
-                  <a:lumOff val="40000"/>
-                </a:schemeClr>
-              </a:solidFill>
-            </a:endParaRPr>
-          </a:p>
-          <a:p>
-            <a:pPr>
-              <a:buNone/>
-            </a:pPr>
-            <a:endParaRPr lang="ru-RU" dirty="0" smtClean="0">
-              <a:solidFill>
-                <a:schemeClr val="accent1">
-                  <a:lumMod val="60000"/>
-                  <a:lumOff val="40000"/>
-                </a:schemeClr>
-              </a:solidFill>
-            </a:endParaRPr>
-          </a:p>
-          <a:p>
-            <a:pPr>
-              <a:buNone/>
-            </a:pPr>
-            <a:r>
-              <a:rPr lang="ru-RU" dirty="0" smtClean="0">
-                <a:solidFill>
-                  <a:schemeClr val="tx1"/>
-                </a:solidFill>
-              </a:rPr>
-              <a:t>Обратите внимание</a:t>
-            </a:r>
-            <a:r>
-              <a:rPr lang="en-US" dirty="0" smtClean="0">
-                <a:solidFill>
-                  <a:schemeClr val="tx1"/>
-                </a:solidFill>
-              </a:rPr>
-              <a:t>,</a:t>
-            </a:r>
-            <a:r>
-              <a:rPr lang="ru-RU" dirty="0" smtClean="0">
-                <a:solidFill>
-                  <a:schemeClr val="tx1"/>
-                </a:solidFill>
-              </a:rPr>
-              <a:t> что между параметрами пишется знак</a:t>
-            </a:r>
-            <a:r>
-              <a:rPr lang="en-US" dirty="0" smtClean="0">
-                <a:solidFill>
-                  <a:schemeClr val="tx1"/>
-                </a:solidFill>
-              </a:rPr>
-              <a:t> -</a:t>
-            </a:r>
-            <a:r>
-              <a:rPr lang="ru-RU" dirty="0" smtClean="0">
-                <a:solidFill>
-                  <a:schemeClr val="tx1"/>
-                </a:solidFill>
-              </a:rPr>
-              <a:t> </a:t>
-            </a:r>
-            <a:r>
-              <a:rPr lang="en-US" dirty="0" smtClean="0">
-                <a:solidFill>
-                  <a:schemeClr val="accent1">
-                    <a:lumMod val="60000"/>
-                    <a:lumOff val="40000"/>
-                  </a:schemeClr>
-                </a:solidFill>
-              </a:rPr>
-              <a:t>&amp;</a:t>
-            </a:r>
-          </a:p>
-          <a:p>
-            <a:pPr>
-              <a:buNone/>
-            </a:pPr>
-            <a:endParaRPr lang="ru-RU" dirty="0"/>
-          </a:p>
-        </p:txBody>
-      </p:sp>
-    </p:spTree>
-  </p:cSld>
-  <p:clrMapOvr>
-    <a:masterClrMapping/>
-  </p:clrMapOvr>
-</p:sld>
-</file>
-
-<file path=ppt/slides/slide17.xml><?xml version="1.0" encoding="utf-8"?>
-<p:sld xmlns:a="http://schemas.openxmlformats.org/drawingml/2006/main" xmlns:r="http://schemas.openxmlformats.org/officeDocument/2006/relationships" xmlns:p="http://schemas.openxmlformats.org/presentationml/2006/main">
-  <p:cSld>
-    <p:spTree>
-      <p:nvGrpSpPr>
-        <p:cNvPr id="1" name=""/>
-        <p:cNvGrpSpPr/>
-        <p:nvPr/>
-      </p:nvGrpSpPr>
-      <p:grpSpPr>
-        <a:xfrm>
-          <a:off x="0" y="0"/>
-          <a:ext cx="0" cy="0"/>
-          <a:chOff x="0" y="0"/>
-          <a:chExt cx="0" cy="0"/>
-        </a:xfrm>
-      </p:grpSpPr>
-      <p:sp>
-        <p:nvSpPr>
-          <p:cNvPr id="2" name="Заголовок 1"/>
-          <p:cNvSpPr>
-            <a:spLocks noGrp="1"/>
-          </p:cNvSpPr>
-          <p:nvPr>
-            <p:ph type="title"/>
-          </p:nvPr>
-        </p:nvSpPr>
-        <p:spPr/>
-        <p:txBody>
-          <a:bodyPr/>
-          <a:lstStyle/>
-          <a:p>
-            <a:r>
-              <a:rPr lang="ru-RU" dirty="0" smtClean="0"/>
-              <a:t>Задание - часть 1</a:t>
-            </a:r>
-            <a:endParaRPr lang="ru-RU" dirty="0"/>
-          </a:p>
-        </p:txBody>
-      </p:sp>
-      <p:sp>
-        <p:nvSpPr>
-          <p:cNvPr id="3" name="Содержимое 2"/>
-          <p:cNvSpPr>
-            <a:spLocks noGrp="1"/>
-          </p:cNvSpPr>
-          <p:nvPr>
-            <p:ph idx="1"/>
-          </p:nvPr>
-        </p:nvSpPr>
-        <p:spPr>
-          <a:xfrm>
-            <a:off x="677334" y="2160589"/>
-            <a:ext cx="8596668" cy="2973271"/>
-          </a:xfrm>
-        </p:spPr>
-        <p:txBody>
-          <a:bodyPr/>
-          <a:lstStyle/>
-          <a:p>
-            <a:pPr>
-              <a:buFont typeface="Wingdings"/>
-              <a:buChar char="Ø"/>
-            </a:pPr>
-            <a:r>
-              <a:rPr lang="ru-RU" dirty="0" smtClean="0"/>
-              <a:t>Создайте модуль </a:t>
-            </a:r>
-            <a:r>
-              <a:rPr lang="en-US" dirty="0" smtClean="0"/>
-              <a:t>main.py</a:t>
-            </a:r>
-          </a:p>
-          <a:p>
-            <a:pPr>
-              <a:buFont typeface="Wingdings"/>
-              <a:buChar char="Ø"/>
-            </a:pPr>
-            <a:r>
-              <a:rPr lang="ru-RU" dirty="0" smtClean="0"/>
-              <a:t>В него импортируйте:</a:t>
-            </a:r>
-            <a:r>
-              <a:rPr lang="en-US" dirty="0" smtClean="0"/>
-              <a:t> </a:t>
-            </a:r>
-            <a:r>
-              <a:rPr lang="ru-RU" dirty="0" smtClean="0"/>
-              <a:t>все из модуля </a:t>
-            </a:r>
-            <a:r>
-              <a:rPr lang="en-US" dirty="0" smtClean="0"/>
-              <a:t>support</a:t>
-            </a:r>
-            <a:r>
-              <a:rPr lang="ru-RU" dirty="0" smtClean="0"/>
-              <a:t>,</a:t>
-            </a:r>
-            <a:r>
-              <a:rPr lang="en-US" dirty="0" smtClean="0"/>
-              <a:t> </a:t>
-            </a:r>
-            <a:r>
-              <a:rPr lang="ru-RU" dirty="0" smtClean="0"/>
-              <a:t>и бота</a:t>
-            </a:r>
-          </a:p>
-          <a:p>
-            <a:pPr>
-              <a:buFont typeface="Wingdings"/>
-              <a:buChar char="Ø"/>
-            </a:pPr>
-            <a:r>
-              <a:rPr lang="ru-RU" dirty="0" smtClean="0"/>
-              <a:t>Создайте переменную с путем до вашего токена</a:t>
-            </a:r>
-          </a:p>
-          <a:p>
-            <a:pPr>
-              <a:buFont typeface="Wingdings"/>
-              <a:buChar char="Ø"/>
-            </a:pPr>
-            <a:r>
-              <a:rPr lang="ru-RU" dirty="0" smtClean="0"/>
-              <a:t>Создайте переменную хранящую сам токен (он должен прочитываться из файла, а не прописываться вручную)</a:t>
-            </a:r>
-          </a:p>
-          <a:p>
-            <a:pPr>
-              <a:buFont typeface="Wingdings"/>
-              <a:buChar char="Ø"/>
-            </a:pPr>
-            <a:r>
-              <a:rPr lang="ru-RU" dirty="0" smtClean="0"/>
-              <a:t>Создайте переменную хранящую </a:t>
-            </a:r>
-            <a:r>
-              <a:rPr lang="en-US" dirty="0" smtClean="0"/>
-              <a:t>id </a:t>
-            </a:r>
-            <a:r>
-              <a:rPr lang="ru-RU" dirty="0" smtClean="0"/>
-              <a:t>странички имеющей открытую стену (например </a:t>
-            </a:r>
-            <a:r>
-              <a:rPr lang="en-US" dirty="0" smtClean="0"/>
-              <a:t>id </a:t>
-            </a:r>
-            <a:r>
-              <a:rPr lang="ru-RU" dirty="0" smtClean="0"/>
-              <a:t>группы корунда - 44273004)</a:t>
-            </a:r>
-          </a:p>
-        </p:txBody>
-      </p:sp>
-    </p:spTree>
-  </p:cSld>
-  <p:clrMapOvr>
-    <a:masterClrMapping/>
-  </p:clrMapOvr>
-</p:sld>
-</file>
-
-<file path=ppt/slides/slide18.xml><?xml version="1.0" encoding="utf-8"?>
-<p:sld xmlns:a="http://schemas.openxmlformats.org/drawingml/2006/main" xmlns:r="http://schemas.openxmlformats.org/officeDocument/2006/relationships" xmlns:p="http://schemas.openxmlformats.org/presentationml/2006/main">
-  <p:cSld>
-    <p:spTree>
-      <p:nvGrpSpPr>
-        <p:cNvPr id="1" name=""/>
-        <p:cNvGrpSpPr/>
-        <p:nvPr/>
-      </p:nvGrpSpPr>
-      <p:grpSpPr>
-        <a:xfrm>
-          <a:off x="0" y="0"/>
-          <a:ext cx="0" cy="0"/>
-          <a:chOff x="0" y="0"/>
-          <a:chExt cx="0" cy="0"/>
-        </a:xfrm>
-      </p:grpSpPr>
-      <p:sp>
-        <p:nvSpPr>
-          <p:cNvPr id="2" name="Заголовок 1"/>
-          <p:cNvSpPr>
-            <a:spLocks noGrp="1"/>
-          </p:cNvSpPr>
-          <p:nvPr>
-            <p:ph type="title"/>
-          </p:nvPr>
-        </p:nvSpPr>
-        <p:spPr/>
-        <p:txBody>
-          <a:bodyPr/>
-          <a:lstStyle/>
-          <a:p>
-            <a:r>
-              <a:rPr lang="ru-RU" dirty="0" smtClean="0"/>
-              <a:t>Задание – часть 2</a:t>
-            </a:r>
-            <a:endParaRPr lang="ru-RU" dirty="0"/>
-          </a:p>
-        </p:txBody>
-      </p:sp>
-      <p:sp>
-        <p:nvSpPr>
-          <p:cNvPr id="3" name="Содержимое 2"/>
-          <p:cNvSpPr>
-            <a:spLocks noGrp="1"/>
-          </p:cNvSpPr>
-          <p:nvPr>
-            <p:ph idx="1"/>
-          </p:nvPr>
-        </p:nvSpPr>
-        <p:spPr/>
-        <p:txBody>
-          <a:bodyPr/>
-          <a:lstStyle/>
-          <a:p>
-            <a:pPr>
-              <a:buFont typeface="Wingdings"/>
-              <a:buChar char="Ø"/>
-            </a:pPr>
-            <a:r>
-              <a:rPr lang="ru-RU" dirty="0" smtClean="0"/>
-              <a:t>В классе </a:t>
-            </a:r>
-            <a:r>
-              <a:rPr lang="en-US" dirty="0" smtClean="0"/>
-              <a:t>Bot </a:t>
-            </a:r>
-            <a:r>
-              <a:rPr lang="ru-RU" dirty="0" smtClean="0"/>
-              <a:t>создайте </a:t>
-            </a:r>
-            <a:r>
-              <a:rPr lang="ru-RU" dirty="0" smtClean="0"/>
-              <a:t>метод</a:t>
-            </a:r>
-            <a:r>
-              <a:rPr lang="ru-RU" dirty="0" smtClean="0"/>
-              <a:t>, который при вызове класса</a:t>
-            </a:r>
-            <a:r>
-              <a:rPr lang="ru-RU" dirty="0" smtClean="0"/>
-              <a:t> позволяет </a:t>
-            </a:r>
-            <a:r>
-              <a:rPr lang="ru-RU" dirty="0" smtClean="0"/>
-              <a:t>принимать </a:t>
-            </a:r>
-            <a:r>
-              <a:rPr lang="en-US" dirty="0" smtClean="0"/>
-              <a:t>id </a:t>
-            </a:r>
-            <a:r>
-              <a:rPr lang="ru-RU" dirty="0" smtClean="0"/>
-              <a:t>странички и токен через </a:t>
-            </a:r>
-            <a:r>
-              <a:rPr lang="ru-RU" dirty="0" smtClean="0"/>
-              <a:t>аргумент</a:t>
-            </a:r>
-            <a:endParaRPr lang="ru-RU" dirty="0" smtClean="0"/>
-          </a:p>
-          <a:p>
-            <a:pPr>
-              <a:buFont typeface="Wingdings"/>
-              <a:buChar char="Ø"/>
-            </a:pPr>
-            <a:r>
-              <a:rPr lang="ru-RU" dirty="0" smtClean="0"/>
-              <a:t>В методе </a:t>
-            </a:r>
-            <a:r>
-              <a:rPr lang="en-US" dirty="0" smtClean="0"/>
-              <a:t>create_url </a:t>
-            </a:r>
-            <a:r>
-              <a:rPr lang="ru-RU" dirty="0" smtClean="0"/>
-              <a:t>создайте переменную с </a:t>
-            </a:r>
-            <a:r>
-              <a:rPr lang="ru-RU" dirty="0" smtClean="0"/>
-              <a:t>параметрами метода </a:t>
-            </a:r>
-            <a:r>
-              <a:rPr lang="en-US" dirty="0" smtClean="0"/>
-              <a:t>API</a:t>
-            </a:r>
-            <a:r>
-              <a:rPr lang="ru-RU" dirty="0" smtClean="0"/>
-              <a:t> для сбора данных со странички</a:t>
-            </a:r>
-          </a:p>
-          <a:p>
-            <a:pPr>
-              <a:buFont typeface="Wingdings"/>
-              <a:buChar char="Ø"/>
-            </a:pPr>
-            <a:r>
-              <a:rPr lang="ru-RU" dirty="0" smtClean="0"/>
-              <a:t>Сделайте так, что бы </a:t>
-            </a:r>
-            <a:r>
-              <a:rPr lang="en-US" dirty="0" smtClean="0"/>
-              <a:t>create_url</a:t>
-            </a:r>
-            <a:r>
-              <a:rPr lang="ru-RU" dirty="0" smtClean="0"/>
-              <a:t> возвращал полную ссылку конкатенированную из раннее созданных переменных</a:t>
-            </a:r>
-          </a:p>
-          <a:p>
-            <a:pPr>
-              <a:buFont typeface="Wingdings"/>
-              <a:buChar char="Ø"/>
-            </a:pPr>
-            <a:r>
-              <a:rPr lang="ru-RU" dirty="0" smtClean="0"/>
-              <a:t>В главном модуле </a:t>
-            </a:r>
-            <a:r>
-              <a:rPr lang="en-US" dirty="0" smtClean="0"/>
-              <a:t>main</a:t>
-            </a:r>
-            <a:r>
-              <a:rPr lang="ru-RU" dirty="0" smtClean="0"/>
-              <a:t> создайте бота</a:t>
-            </a:r>
-          </a:p>
-          <a:p>
-            <a:pPr>
-              <a:buFont typeface="Wingdings"/>
-              <a:buChar char="Ø"/>
-            </a:pPr>
-            <a:r>
-              <a:rPr lang="ru-RU" dirty="0" smtClean="0"/>
-              <a:t>И вызовите его метод создающий полную ссылку (проверьте её)</a:t>
             </a:r>
           </a:p>
         </p:txBody>
@@ -8924,7 +8135,7 @@
   <a:extraClrSchemeLst/>
   <a:extLst>
     <a:ext uri="{05A4C25C-085E-4340-85A3-A5531E510DB2}">
-      <thm15:themeFamily xmlns:thm15="http://schemas.microsoft.com/office/thememl/2012/main" xmlns="" name="Facet" id="{C0C680CD-088A-49FC-A102-D699147F32B2}" vid="{8C59B386-999D-4CB6-B907-9F3997C027CC}"/>
+      <thm15:themeFamily xmlns="" xmlns:thm15="http://schemas.microsoft.com/office/thememl/2012/main" name="Facet" id="{C0C680CD-088A-49FC-A102-D699147F32B2}" vid="{8C59B386-999D-4CB6-B907-9F3997C027CC}"/>
     </a:ext>
   </a:extLst>
 </a:theme>
